--- a/TUTO_BDD_GONIO.pptx
+++ b/TUTO_BDD_GONIO.pptx
@@ -5,17 +5,18 @@
     <p:sldMasterId id="2147483660" r:id="rId1"/>
   </p:sldMasterIdLst>
   <p:notesMasterIdLst>
-    <p:notesMasterId r:id="rId10"/>
+    <p:notesMasterId r:id="rId11"/>
   </p:notesMasterIdLst>
   <p:sldIdLst>
     <p:sldId id="258" r:id="rId2"/>
     <p:sldId id="259" r:id="rId3"/>
     <p:sldId id="260" r:id="rId4"/>
-    <p:sldId id="265" r:id="rId5"/>
-    <p:sldId id="264" r:id="rId6"/>
-    <p:sldId id="263" r:id="rId7"/>
-    <p:sldId id="262" r:id="rId8"/>
-    <p:sldId id="261" r:id="rId9"/>
+    <p:sldId id="264" r:id="rId5"/>
+    <p:sldId id="267" r:id="rId6"/>
+    <p:sldId id="262" r:id="rId7"/>
+    <p:sldId id="261" r:id="rId8"/>
+    <p:sldId id="266" r:id="rId9"/>
+    <p:sldId id="265" r:id="rId10"/>
   </p:sldIdLst>
   <p:sldSz cx="9144000" cy="6858000" type="screen4x3"/>
   <p:notesSz cx="6858000" cy="9144000"/>
@@ -204,7 +205,7 @@
           <a:p>
             <a:fld id="{BDF2A71B-5DC1-4CC3-81B5-30C08E317B94}" type="datetimeFigureOut">
               <a:rPr lang="fr-FR" smtClean="0"/>
-              <a:t>09/02/2021</a:t>
+              <a:t>15/07/2021</a:t>
             </a:fld>
             <a:endParaRPr lang="fr-FR"/>
           </a:p>
@@ -646,6 +647,93 @@
 </p:notes>
 </file>
 
+<file path=ppt/notesSlides/notesSlide3.xml><?xml version="1.0" encoding="utf-8"?>
+<p:notes xmlns:a="http://schemas.openxmlformats.org/drawingml/2006/main" xmlns:r="http://schemas.openxmlformats.org/officeDocument/2006/relationships" xmlns:p="http://schemas.openxmlformats.org/presentationml/2006/main">
+  <p:cSld>
+    <p:spTree>
+      <p:nvGrpSpPr>
+        <p:cNvPr id="1" name=""/>
+        <p:cNvGrpSpPr/>
+        <p:nvPr/>
+      </p:nvGrpSpPr>
+      <p:grpSpPr>
+        <a:xfrm>
+          <a:off x="0" y="0"/>
+          <a:ext cx="0" cy="0"/>
+          <a:chOff x="0" y="0"/>
+          <a:chExt cx="0" cy="0"/>
+        </a:xfrm>
+      </p:grpSpPr>
+      <p:sp>
+        <p:nvSpPr>
+          <p:cNvPr id="2" name="Espace réservé de l'image des diapositives 1"/>
+          <p:cNvSpPr>
+            <a:spLocks noGrp="1" noRot="1" noChangeAspect="1"/>
+          </p:cNvSpPr>
+          <p:nvPr>
+            <p:ph type="sldImg"/>
+          </p:nvPr>
+        </p:nvSpPr>
+        <p:spPr/>
+      </p:sp>
+      <p:sp>
+        <p:nvSpPr>
+          <p:cNvPr id="3" name="Espace réservé des commentaires 2"/>
+          <p:cNvSpPr>
+            <a:spLocks noGrp="1"/>
+          </p:cNvSpPr>
+          <p:nvPr>
+            <p:ph type="body" idx="1"/>
+          </p:nvPr>
+        </p:nvSpPr>
+        <p:spPr/>
+        <p:txBody>
+          <a:bodyPr>
+            <a:normAutofit/>
+          </a:bodyPr>
+          <a:lstStyle/>
+          <a:p>
+            <a:endParaRPr lang="fr-FR"/>
+          </a:p>
+        </p:txBody>
+      </p:sp>
+      <p:sp>
+        <p:nvSpPr>
+          <p:cNvPr id="4" name="Espace réservé du numéro de diapositive 3"/>
+          <p:cNvSpPr>
+            <a:spLocks noGrp="1"/>
+          </p:cNvSpPr>
+          <p:nvPr>
+            <p:ph type="sldNum" sz="quarter" idx="10"/>
+          </p:nvPr>
+        </p:nvSpPr>
+        <p:spPr/>
+        <p:txBody>
+          <a:bodyPr/>
+          <a:lstStyle/>
+          <a:p>
+            <a:fld id="{96E473C4-7BD1-414A-9C3D-208F5482DDB0}" type="slidenum">
+              <a:rPr lang="fr-FR" smtClean="0"/>
+              <a:pPr/>
+              <a:t>9</a:t>
+            </a:fld>
+            <a:endParaRPr lang="fr-FR"/>
+          </a:p>
+        </p:txBody>
+      </p:sp>
+    </p:spTree>
+    <p:extLst>
+      <p:ext uri="{BB962C8B-B14F-4D97-AF65-F5344CB8AC3E}">
+        <p14:creationId xmlns:p14="http://schemas.microsoft.com/office/powerpoint/2010/main" val="1670621978"/>
+      </p:ext>
+    </p:extLst>
+  </p:cSld>
+  <p:clrMapOvr>
+    <a:masterClrMapping/>
+  </p:clrMapOvr>
+</p:notes>
+</file>
+
 <file path=ppt/slideLayouts/slideLayout1.xml><?xml version="1.0" encoding="utf-8"?>
 <p:sldLayout xmlns:a="http://schemas.openxmlformats.org/drawingml/2006/main" xmlns:r="http://schemas.openxmlformats.org/officeDocument/2006/relationships" xmlns:p="http://schemas.openxmlformats.org/presentationml/2006/main" type="blank" preserve="1">
   <p:cSld name="Vide">
@@ -680,7 +768,7 @@
           <a:p>
             <a:fld id="{2AD8A078-8F0D-4B44-934F-D3DB161891DE}" type="datetimeFigureOut">
               <a:rPr lang="fr-FR" smtClean="0"/>
-              <a:t>09/02/2021</a:t>
+              <a:t>15/07/2021</a:t>
             </a:fld>
             <a:endParaRPr lang="fr-FR"/>
           </a:p>
@@ -893,7 +981,7 @@
           <a:p>
             <a:fld id="{2AD8A078-8F0D-4B44-934F-D3DB161891DE}" type="datetimeFigureOut">
               <a:rPr lang="fr-FR" smtClean="0"/>
-              <a:t>09/02/2021</a:t>
+              <a:t>15/07/2021</a:t>
             </a:fld>
             <a:endParaRPr lang="fr-FR"/>
           </a:p>
@@ -1343,7 +1431,11 @@
             <a:pPr algn="ctr"/>
             <a:r>
               <a:rPr lang="fr-FR" sz="3200" b="1" dirty="0" smtClean="0"/>
-              <a:t>Tutoriel BDD_GONIO</a:t>
+              <a:t>Tutoriel </a:t>
+            </a:r>
+            <a:r>
+              <a:rPr lang="fr-FR" sz="3200" b="1" dirty="0" smtClean="0"/>
+              <a:t>BDD_GONIO_V9</a:t>
             </a:r>
             <a:endParaRPr lang="fr-FR" sz="1600" b="1" dirty="0" smtClean="0"/>
           </a:p>
@@ -1358,7 +1450,7 @@
         <p:spPr>
           <a:xfrm>
             <a:off x="152400" y="1556792"/>
-            <a:ext cx="8839200" cy="2031325"/>
+            <a:ext cx="8839200" cy="4708981"/>
           </a:xfrm>
           <a:prstGeom prst="rect">
             <a:avLst/>
@@ -1372,57 +1464,132 @@
           <a:lstStyle/>
           <a:p>
             <a:r>
-              <a:rPr lang="fr-FR" dirty="0" smtClean="0"/>
-              <a:t>La BDD_GONIO est un fichier Excel avec macros dont le but est de recenser les relevés radiogoniométriques d’un ou plusieurs capteurs, afin de produire </a:t>
-            </a:r>
-            <a:r>
-              <a:rPr lang="fr-FR" i="1" dirty="0" smtClean="0"/>
-              <a:t>in fine</a:t>
-            </a:r>
-            <a:r>
-              <a:rPr lang="fr-FR" dirty="0" smtClean="0"/>
-              <a:t> un fichier KML importable sur </a:t>
-            </a:r>
-            <a:r>
-              <a:rPr lang="fr-FR" dirty="0" err="1" smtClean="0"/>
+              <a:rPr lang="fr-FR" sz="2000" dirty="0" smtClean="0"/>
+              <a:t>La </a:t>
+            </a:r>
+            <a:r>
+              <a:rPr lang="fr-FR" sz="2000" dirty="0" smtClean="0"/>
+              <a:t>BDD GONIO </a:t>
+            </a:r>
+            <a:r>
+              <a:rPr lang="fr-FR" sz="2000" dirty="0" smtClean="0"/>
+              <a:t>est un </a:t>
+            </a:r>
+            <a:r>
+              <a:rPr lang="fr-FR" sz="2000" dirty="0" smtClean="0"/>
+              <a:t>tableau de suivi et d’export des relevés goniométriques.</a:t>
+            </a:r>
+          </a:p>
+          <a:p>
+            <a:endParaRPr lang="fr-FR" sz="2000" dirty="0" smtClean="0"/>
+          </a:p>
+          <a:p>
+            <a:r>
+              <a:rPr lang="fr-FR" sz="2000" dirty="0" smtClean="0"/>
+              <a:t>Il s’agit d’un fichier Excel recensant les relevés dans un tableau avec :</a:t>
+            </a:r>
+          </a:p>
+          <a:p>
+            <a:pPr marL="342900" indent="-342900">
+              <a:buFontTx/>
+              <a:buChar char="-"/>
+            </a:pPr>
+            <a:r>
+              <a:rPr lang="fr-FR" sz="2000" dirty="0" smtClean="0"/>
+              <a:t>Heure du relevé</a:t>
+            </a:r>
+          </a:p>
+          <a:p>
+            <a:pPr marL="342900" indent="-342900">
+              <a:buFontTx/>
+              <a:buChar char="-"/>
+            </a:pPr>
+            <a:r>
+              <a:rPr lang="fr-FR" sz="2000" dirty="0" smtClean="0"/>
+              <a:t>Capteur</a:t>
+            </a:r>
+          </a:p>
+          <a:p>
+            <a:pPr marL="342900" indent="-342900">
+              <a:buFontTx/>
+              <a:buChar char="-"/>
+            </a:pPr>
+            <a:r>
+              <a:rPr lang="fr-FR" sz="2000" dirty="0" smtClean="0"/>
+              <a:t>Fréquence</a:t>
+            </a:r>
+          </a:p>
+          <a:p>
+            <a:pPr marL="342900" indent="-342900">
+              <a:buFontTx/>
+              <a:buChar char="-"/>
+            </a:pPr>
+            <a:r>
+              <a:rPr lang="fr-FR" sz="2000" dirty="0" smtClean="0"/>
+              <a:t>Indicatif</a:t>
+            </a:r>
+          </a:p>
+          <a:p>
+            <a:pPr marL="342900" indent="-342900">
+              <a:buFontTx/>
+              <a:buChar char="-"/>
+            </a:pPr>
+            <a:r>
+              <a:rPr lang="fr-FR" sz="2000" dirty="0" smtClean="0"/>
+              <a:t>Coordonnées capteur lors du relevé</a:t>
+            </a:r>
+          </a:p>
+          <a:p>
+            <a:pPr marL="342900" indent="-342900">
+              <a:buFontTx/>
+              <a:buChar char="-"/>
+            </a:pPr>
+            <a:r>
+              <a:rPr lang="fr-FR" sz="2000" dirty="0" smtClean="0"/>
+              <a:t>Azimut du relevé</a:t>
+            </a:r>
+          </a:p>
+          <a:p>
+            <a:pPr marL="342900" indent="-342900">
+              <a:buFontTx/>
+              <a:buChar char="-"/>
+            </a:pPr>
+            <a:r>
+              <a:rPr lang="fr-FR" sz="2000" dirty="0" smtClean="0"/>
+              <a:t>Couleur</a:t>
+            </a:r>
+          </a:p>
+          <a:p>
+            <a:pPr marL="342900" indent="-342900">
+              <a:buFontTx/>
+              <a:buChar char="-"/>
+            </a:pPr>
+            <a:r>
+              <a:rPr lang="fr-FR" sz="2000" dirty="0" smtClean="0"/>
+              <a:t>Groupe</a:t>
+            </a:r>
+            <a:endParaRPr lang="fr-FR" sz="2000" dirty="0"/>
+          </a:p>
+          <a:p>
+            <a:endParaRPr lang="fr-FR" sz="2000" dirty="0" smtClean="0"/>
+          </a:p>
+          <a:p>
+            <a:endParaRPr lang="fr-FR" sz="2000" dirty="0" smtClean="0"/>
+          </a:p>
+          <a:p>
+            <a:r>
+              <a:rPr lang="fr-FR" sz="2000" dirty="0" smtClean="0"/>
+              <a:t>A partir de ce tableau, la BDD GONIO génère un fichier KML importable dans </a:t>
+            </a:r>
+            <a:r>
+              <a:rPr lang="fr-FR" sz="2000" dirty="0" err="1" smtClean="0"/>
               <a:t>GlobalMapper</a:t>
             </a:r>
             <a:r>
-              <a:rPr lang="fr-FR" dirty="0" smtClean="0"/>
-              <a:t> affichant une représentation graphique des « tirs </a:t>
-            </a:r>
-            <a:r>
-              <a:rPr lang="fr-FR" dirty="0" err="1" smtClean="0"/>
-              <a:t>gonios</a:t>
-            </a:r>
-            <a:r>
-              <a:rPr lang="fr-FR" dirty="0" smtClean="0"/>
-              <a:t> »</a:t>
-            </a:r>
-          </a:p>
-          <a:p>
-            <a:endParaRPr lang="fr-FR" dirty="0" smtClean="0"/>
-          </a:p>
-          <a:p>
-            <a:r>
-              <a:rPr lang="fr-FR" dirty="0"/>
-              <a:t>La </a:t>
-            </a:r>
-            <a:r>
-              <a:rPr lang="fr-FR" dirty="0" smtClean="0"/>
-              <a:t>BDD_GONIO est à destination des analystes et éventuellement chef de patrouille pour tenir un registre des relevés </a:t>
-            </a:r>
-            <a:r>
-              <a:rPr lang="fr-FR" dirty="0" err="1" smtClean="0"/>
-              <a:t>gonio</a:t>
-            </a:r>
-            <a:r>
-              <a:rPr lang="fr-FR" dirty="0" smtClean="0"/>
-              <a:t>, sur une ou plusieurs missions</a:t>
-            </a:r>
-          </a:p>
-          <a:p>
-            <a:endParaRPr lang="fr-FR" dirty="0"/>
+              <a:rPr lang="fr-FR" sz="2000" dirty="0" smtClean="0"/>
+              <a:t> afin d’afficher les relevés.</a:t>
+            </a:r>
+            <a:endParaRPr lang="fr-FR" sz="2000" dirty="0"/>
           </a:p>
         </p:txBody>
       </p:sp>
@@ -1618,22 +1785,21 @@
       </p:grpSpPr>
       <p:pic>
         <p:nvPicPr>
-          <p:cNvPr id="3" name="Image 2"/>
+          <p:cNvPr id="2" name="Image 1"/>
           <p:cNvPicPr>
             <a:picLocks noChangeAspect="1"/>
           </p:cNvPicPr>
           <p:nvPr/>
         </p:nvPicPr>
-        <p:blipFill>
+        <p:blipFill rotWithShape="1">
           <a:blip r:embed="rId2"/>
-          <a:stretch>
-            <a:fillRect/>
-          </a:stretch>
+          <a:srcRect b="15449"/>
+          <a:stretch/>
         </p:blipFill>
         <p:spPr>
           <a:xfrm>
-            <a:off x="219845" y="2069608"/>
-            <a:ext cx="8820044" cy="3418210"/>
+            <a:off x="0" y="2057387"/>
+            <a:ext cx="8789380" cy="3493133"/>
           </a:xfrm>
           <a:prstGeom prst="rect">
             <a:avLst/>
@@ -1678,53 +1844,14 @@
       </p:sp>
       <p:sp>
         <p:nvSpPr>
-          <p:cNvPr id="6" name="ZoneTexte 5"/>
-          <p:cNvSpPr txBox="1"/>
-          <p:nvPr/>
-        </p:nvSpPr>
-        <p:spPr>
-          <a:xfrm>
-            <a:off x="1777042" y="1239797"/>
-            <a:ext cx="1742535" cy="276999"/>
-          </a:xfrm>
-          <a:prstGeom prst="rect">
-            <a:avLst/>
-          </a:prstGeom>
-          <a:noFill/>
-          <a:ln>
-            <a:solidFill>
-              <a:schemeClr val="accent1"/>
-            </a:solidFill>
-          </a:ln>
-        </p:spPr>
-        <p:txBody>
-          <a:bodyPr wrap="square" rtlCol="0">
-            <a:spAutoFit/>
-          </a:bodyPr>
-          <a:lstStyle/>
-          <a:p>
-            <a:r>
-              <a:rPr lang="fr-FR" sz="1200" dirty="0" smtClean="0"/>
-              <a:t>Liste des relevés </a:t>
-            </a:r>
-            <a:r>
-              <a:rPr lang="fr-FR" sz="1200" dirty="0" err="1" smtClean="0"/>
-              <a:t>gonio</a:t>
-            </a:r>
-            <a:endParaRPr lang="fr-FR" sz="1200" dirty="0"/>
-          </a:p>
-        </p:txBody>
-      </p:sp>
-      <p:sp>
-        <p:nvSpPr>
-          <p:cNvPr id="7" name="Rectangle 6"/>
+          <p:cNvPr id="8" name="Rectangle 7"/>
           <p:cNvSpPr/>
           <p:nvPr/>
         </p:nvSpPr>
         <p:spPr>
           <a:xfrm>
-            <a:off x="139552" y="1950956"/>
-            <a:ext cx="5767024" cy="2978988"/>
+            <a:off x="7492072" y="4395323"/>
+            <a:ext cx="881708" cy="389632"/>
           </a:xfrm>
           <a:prstGeom prst="rect">
             <a:avLst/>
@@ -1758,14 +1885,83 @@
       </p:sp>
       <p:sp>
         <p:nvSpPr>
-          <p:cNvPr id="8" name="Rectangle 7"/>
+          <p:cNvPr id="10" name="ZoneTexte 9"/>
+          <p:cNvSpPr txBox="1"/>
+          <p:nvPr/>
+        </p:nvSpPr>
+        <p:spPr>
+          <a:xfrm>
+            <a:off x="7572610" y="6204285"/>
+            <a:ext cx="1322236" cy="461665"/>
+          </a:xfrm>
+          <a:prstGeom prst="rect">
+            <a:avLst/>
+          </a:prstGeom>
+          <a:noFill/>
+          <a:ln>
+            <a:solidFill>
+              <a:schemeClr val="accent1"/>
+            </a:solidFill>
+          </a:ln>
+        </p:spPr>
+        <p:txBody>
+          <a:bodyPr wrap="square" rtlCol="0">
+            <a:spAutoFit/>
+          </a:bodyPr>
+          <a:lstStyle/>
+          <a:p>
+            <a:r>
+              <a:rPr lang="fr-FR" sz="1200" dirty="0" smtClean="0"/>
+              <a:t>Affiche un petit guide pas à pas</a:t>
+            </a:r>
+            <a:endParaRPr lang="fr-FR" sz="1200" dirty="0"/>
+          </a:p>
+        </p:txBody>
+      </p:sp>
+      <p:cxnSp>
+        <p:nvCxnSpPr>
+          <p:cNvPr id="11" name="Connecteur droit 10"/>
+          <p:cNvCxnSpPr>
+            <a:stCxn id="58" idx="2"/>
+            <a:endCxn id="10" idx="0"/>
+          </p:cNvCxnSpPr>
+          <p:nvPr/>
+        </p:nvCxnSpPr>
+        <p:spPr>
+          <a:xfrm>
+            <a:off x="7905811" y="5349349"/>
+            <a:ext cx="327917" cy="854936"/>
+          </a:xfrm>
+          <a:prstGeom prst="line">
+            <a:avLst/>
+          </a:prstGeom>
+          <a:ln w="25400"/>
+        </p:spPr>
+        <p:style>
+          <a:lnRef idx="1">
+            <a:schemeClr val="accent1"/>
+          </a:lnRef>
+          <a:fillRef idx="0">
+            <a:schemeClr val="accent1"/>
+          </a:fillRef>
+          <a:effectRef idx="0">
+            <a:schemeClr val="accent1"/>
+          </a:effectRef>
+          <a:fontRef idx="minor">
+            <a:schemeClr val="tx1"/>
+          </a:fontRef>
+        </p:style>
+      </p:cxnSp>
+      <p:sp>
+        <p:nvSpPr>
+          <p:cNvPr id="24" name="Rectangle 23"/>
           <p:cNvSpPr/>
           <p:nvPr/>
         </p:nvSpPr>
         <p:spPr>
           <a:xfrm>
-            <a:off x="6474435" y="4076833"/>
-            <a:ext cx="881708" cy="219937"/>
+            <a:off x="7356143" y="2541076"/>
+            <a:ext cx="1200317" cy="559559"/>
           </a:xfrm>
           <a:prstGeom prst="rect">
             <a:avLst/>
@@ -1797,19 +1993,54 @@
           </a:p>
         </p:txBody>
       </p:sp>
+      <p:sp>
+        <p:nvSpPr>
+          <p:cNvPr id="25" name="ZoneTexte 24"/>
+          <p:cNvSpPr txBox="1"/>
+          <p:nvPr/>
+        </p:nvSpPr>
+        <p:spPr>
+          <a:xfrm>
+            <a:off x="6593975" y="1370060"/>
+            <a:ext cx="2300871" cy="461665"/>
+          </a:xfrm>
+          <a:prstGeom prst="rect">
+            <a:avLst/>
+          </a:prstGeom>
+          <a:noFill/>
+          <a:ln>
+            <a:solidFill>
+              <a:schemeClr val="accent1"/>
+            </a:solidFill>
+          </a:ln>
+        </p:spPr>
+        <p:txBody>
+          <a:bodyPr wrap="square" rtlCol="0">
+            <a:spAutoFit/>
+          </a:bodyPr>
+          <a:lstStyle/>
+          <a:p>
+            <a:r>
+              <a:rPr lang="fr-FR" sz="1200" dirty="0" smtClean="0"/>
+              <a:t>Crée un fichier KML contenant les relevés indiqués dans le tableau</a:t>
+            </a:r>
+            <a:endParaRPr lang="fr-FR" sz="1200" dirty="0"/>
+          </a:p>
+        </p:txBody>
+      </p:sp>
       <p:cxnSp>
         <p:nvCxnSpPr>
-          <p:cNvPr id="9" name="Connecteur droit 8"/>
+          <p:cNvPr id="26" name="Connecteur droit 25"/>
           <p:cNvCxnSpPr>
-            <a:stCxn id="7" idx="0"/>
-            <a:endCxn id="6" idx="2"/>
+            <a:stCxn id="24" idx="0"/>
+            <a:endCxn id="25" idx="2"/>
           </p:cNvCxnSpPr>
           <p:nvPr/>
         </p:nvCxnSpPr>
         <p:spPr>
           <a:xfrm flipH="1" flipV="1">
-            <a:off x="2648310" y="1516796"/>
-            <a:ext cx="374754" cy="434160"/>
+            <a:off x="7744411" y="1831725"/>
+            <a:ext cx="211891" cy="709351"/>
           </a:xfrm>
           <a:prstGeom prst="line">
             <a:avLst/>
@@ -1833,83 +2064,14 @@
       </p:cxnSp>
       <p:sp>
         <p:nvSpPr>
-          <p:cNvPr id="10" name="ZoneTexte 9"/>
-          <p:cNvSpPr txBox="1"/>
-          <p:nvPr/>
-        </p:nvSpPr>
-        <p:spPr>
-          <a:xfrm>
-            <a:off x="7758014" y="5785756"/>
-            <a:ext cx="1322236" cy="461665"/>
-          </a:xfrm>
-          <a:prstGeom prst="rect">
-            <a:avLst/>
-          </a:prstGeom>
-          <a:noFill/>
-          <a:ln>
-            <a:solidFill>
-              <a:schemeClr val="accent1"/>
-            </a:solidFill>
-          </a:ln>
-        </p:spPr>
-        <p:txBody>
-          <a:bodyPr wrap="square" rtlCol="0">
-            <a:spAutoFit/>
-          </a:bodyPr>
-          <a:lstStyle/>
-          <a:p>
-            <a:r>
-              <a:rPr lang="fr-FR" sz="1200" dirty="0" smtClean="0"/>
-              <a:t>Affiche un petit guide pas à pas</a:t>
-            </a:r>
-            <a:endParaRPr lang="fr-FR" sz="1200" dirty="0"/>
-          </a:p>
-        </p:txBody>
-      </p:sp>
-      <p:cxnSp>
-        <p:nvCxnSpPr>
-          <p:cNvPr id="11" name="Connecteur droit 10"/>
-          <p:cNvCxnSpPr>
-            <a:stCxn id="58" idx="2"/>
-            <a:endCxn id="10" idx="0"/>
-          </p:cNvCxnSpPr>
-          <p:nvPr/>
-        </p:nvCxnSpPr>
-        <p:spPr>
-          <a:xfrm>
-            <a:off x="8262680" y="3724382"/>
-            <a:ext cx="156452" cy="2061374"/>
-          </a:xfrm>
-          <a:prstGeom prst="line">
-            <a:avLst/>
-          </a:prstGeom>
-          <a:ln w="25400"/>
-        </p:spPr>
-        <p:style>
-          <a:lnRef idx="1">
-            <a:schemeClr val="accent1"/>
-          </a:lnRef>
-          <a:fillRef idx="0">
-            <a:schemeClr val="accent1"/>
-          </a:fillRef>
-          <a:effectRef idx="0">
-            <a:schemeClr val="accent1"/>
-          </a:effectRef>
-          <a:fontRef idx="minor">
-            <a:schemeClr val="tx1"/>
-          </a:fontRef>
-        </p:style>
-      </p:cxnSp>
-      <p:sp>
-        <p:nvSpPr>
-          <p:cNvPr id="24" name="Rectangle 23"/>
+          <p:cNvPr id="37" name="Rectangle 36"/>
           <p:cNvSpPr/>
           <p:nvPr/>
         </p:nvSpPr>
         <p:spPr>
           <a:xfrm>
-            <a:off x="6272915" y="2876227"/>
-            <a:ext cx="1200317" cy="559559"/>
+            <a:off x="7307500" y="3684092"/>
+            <a:ext cx="1248959" cy="438981"/>
           </a:xfrm>
           <a:prstGeom prst="rect">
             <a:avLst/>
@@ -1943,14 +2105,14 @@
       </p:sp>
       <p:sp>
         <p:nvSpPr>
-          <p:cNvPr id="25" name="ZoneTexte 24"/>
+          <p:cNvPr id="38" name="ZoneTexte 37"/>
           <p:cNvSpPr txBox="1"/>
           <p:nvPr/>
         </p:nvSpPr>
         <p:spPr>
           <a:xfrm>
-            <a:off x="5457143" y="1298678"/>
-            <a:ext cx="1322236" cy="461665"/>
+            <a:off x="3955146" y="6092874"/>
+            <a:ext cx="1665464" cy="646331"/>
           </a:xfrm>
           <a:prstGeom prst="rect">
             <a:avLst/>
@@ -1970,7 +2132,7 @@
           <a:p>
             <a:r>
               <a:rPr lang="fr-FR" sz="1200" dirty="0" smtClean="0"/>
-              <a:t>Génération du fichier KML</a:t>
+              <a:t>Déplace les lignes du tableau vers l’onglet « archive »</a:t>
             </a:r>
             <a:endParaRPr lang="fr-FR" sz="1200" dirty="0"/>
           </a:p>
@@ -1978,17 +2140,17 @@
       </p:sp>
       <p:cxnSp>
         <p:nvCxnSpPr>
-          <p:cNvPr id="26" name="Connecteur droit 25"/>
+          <p:cNvPr id="39" name="Connecteur droit 38"/>
           <p:cNvCxnSpPr>
-            <a:stCxn id="24" idx="0"/>
-            <a:endCxn id="25" idx="2"/>
+            <a:stCxn id="37" idx="1"/>
+            <a:endCxn id="38" idx="0"/>
           </p:cNvCxnSpPr>
           <p:nvPr/>
         </p:nvCxnSpPr>
         <p:spPr>
-          <a:xfrm flipH="1" flipV="1">
-            <a:off x="6118261" y="1760343"/>
-            <a:ext cx="754813" cy="1115884"/>
+          <a:xfrm flipH="1">
+            <a:off x="4787878" y="3903583"/>
+            <a:ext cx="2519622" cy="2189291"/>
           </a:xfrm>
           <a:prstGeom prst="line">
             <a:avLst/>
@@ -2012,14 +2174,14 @@
       </p:cxnSp>
       <p:sp>
         <p:nvSpPr>
-          <p:cNvPr id="37" name="Rectangle 36"/>
+          <p:cNvPr id="58" name="Rectangle 57"/>
           <p:cNvSpPr/>
           <p:nvPr/>
         </p:nvSpPr>
         <p:spPr>
           <a:xfrm>
-            <a:off x="6474435" y="3598389"/>
-            <a:ext cx="881708" cy="353427"/>
+            <a:off x="7527101" y="4987167"/>
+            <a:ext cx="757419" cy="362182"/>
           </a:xfrm>
           <a:prstGeom prst="rect">
             <a:avLst/>
@@ -2053,14 +2215,14 @@
       </p:sp>
       <p:sp>
         <p:nvSpPr>
-          <p:cNvPr id="38" name="ZoneTexte 37"/>
+          <p:cNvPr id="62" name="ZoneTexte 61"/>
           <p:cNvSpPr txBox="1"/>
           <p:nvPr/>
         </p:nvSpPr>
         <p:spPr>
           <a:xfrm>
-            <a:off x="4026090" y="5887137"/>
-            <a:ext cx="1665464" cy="646331"/>
+            <a:off x="5914183" y="6185208"/>
+            <a:ext cx="1535785" cy="461665"/>
           </a:xfrm>
           <a:prstGeom prst="rect">
             <a:avLst/>
@@ -2080,7 +2242,7 @@
           <a:p>
             <a:r>
               <a:rPr lang="fr-FR" sz="1200" dirty="0" smtClean="0"/>
-              <a:t>Pré-rempli une nouvelle ligne. Voir l’exemple en ligne 3</a:t>
+              <a:t>Vide le tableau (après confirmation)</a:t>
             </a:r>
             <a:endParaRPr lang="fr-FR" sz="1200" dirty="0"/>
           </a:p>
@@ -2088,17 +2250,17 @@
       </p:sp>
       <p:cxnSp>
         <p:nvCxnSpPr>
-          <p:cNvPr id="39" name="Connecteur droit 38"/>
+          <p:cNvPr id="63" name="Connecteur droit 62"/>
           <p:cNvCxnSpPr>
-            <a:stCxn id="37" idx="2"/>
-            <a:endCxn id="38" idx="0"/>
+            <a:stCxn id="8" idx="1"/>
+            <a:endCxn id="62" idx="0"/>
           </p:cNvCxnSpPr>
           <p:nvPr/>
         </p:nvCxnSpPr>
         <p:spPr>
           <a:xfrm flipH="1">
-            <a:off x="4858822" y="3951816"/>
-            <a:ext cx="2056467" cy="1935321"/>
+            <a:off x="6682076" y="4590139"/>
+            <a:ext cx="809996" cy="1595069"/>
           </a:xfrm>
           <a:prstGeom prst="line">
             <a:avLst/>
@@ -2122,14 +2284,14 @@
       </p:cxnSp>
       <p:sp>
         <p:nvSpPr>
-          <p:cNvPr id="44" name="Rectangle 43"/>
+          <p:cNvPr id="40" name="Rectangle 39"/>
           <p:cNvSpPr/>
           <p:nvPr/>
         </p:nvSpPr>
         <p:spPr>
           <a:xfrm>
-            <a:off x="7686592" y="2715904"/>
-            <a:ext cx="1200317" cy="527754"/>
+            <a:off x="7310826" y="3202226"/>
+            <a:ext cx="1248959" cy="399074"/>
           </a:xfrm>
           <a:prstGeom prst="rect">
             <a:avLst/>
@@ -2163,14 +2325,14 @@
       </p:sp>
       <p:sp>
         <p:nvSpPr>
-          <p:cNvPr id="45" name="ZoneTexte 44"/>
+          <p:cNvPr id="41" name="ZoneTexte 40"/>
           <p:cNvSpPr txBox="1"/>
           <p:nvPr/>
         </p:nvSpPr>
         <p:spPr>
           <a:xfrm>
-            <a:off x="7084759" y="1191105"/>
-            <a:ext cx="1917014" cy="830997"/>
+            <a:off x="2063208" y="6092874"/>
+            <a:ext cx="1665464" cy="461665"/>
           </a:xfrm>
           <a:prstGeom prst="rect">
             <a:avLst/>
@@ -2190,13 +2352,7 @@
           <a:p>
             <a:r>
               <a:rPr lang="fr-FR" sz="1200" dirty="0" smtClean="0"/>
-              <a:t>Affiche un outil de conversion de coordonnées</a:t>
-            </a:r>
-          </a:p>
-          <a:p>
-            <a:r>
-              <a:rPr lang="fr-FR" sz="1200" dirty="0" smtClean="0"/>
-              <a:t>Degrés/minutes/secondes (DMS) &lt; - &gt; décimales</a:t>
+              <a:t>Pré rempli un nouveau relevé</a:t>
             </a:r>
             <a:endParaRPr lang="fr-FR" sz="1200" dirty="0"/>
           </a:p>
@@ -2204,17 +2360,16 @@
       </p:sp>
       <p:cxnSp>
         <p:nvCxnSpPr>
-          <p:cNvPr id="46" name="Connecteur droit 45"/>
+          <p:cNvPr id="42" name="Connecteur droit 41"/>
           <p:cNvCxnSpPr>
-            <a:stCxn id="44" idx="0"/>
-            <a:endCxn id="45" idx="2"/>
+            <a:endCxn id="41" idx="0"/>
           </p:cNvCxnSpPr>
           <p:nvPr/>
         </p:nvCxnSpPr>
         <p:spPr>
-          <a:xfrm flipH="1" flipV="1">
-            <a:off x="8043266" y="2022102"/>
-            <a:ext cx="243485" cy="693802"/>
+          <a:xfrm flipH="1">
+            <a:off x="2895940" y="3234347"/>
+            <a:ext cx="4398240" cy="2858527"/>
           </a:xfrm>
           <a:prstGeom prst="line">
             <a:avLst/>
@@ -2236,336 +2391,6 @@
           </a:fontRef>
         </p:style>
       </p:cxnSp>
-      <p:sp>
-        <p:nvSpPr>
-          <p:cNvPr id="58" name="Rectangle 57"/>
-          <p:cNvSpPr/>
-          <p:nvPr/>
-        </p:nvSpPr>
-        <p:spPr>
-          <a:xfrm>
-            <a:off x="7804441" y="3362200"/>
-            <a:ext cx="916477" cy="362182"/>
-          </a:xfrm>
-          <a:prstGeom prst="rect">
-            <a:avLst/>
-          </a:prstGeom>
-          <a:noFill/>
-        </p:spPr>
-        <p:style>
-          <a:lnRef idx="2">
-            <a:schemeClr val="accent1">
-              <a:shade val="50000"/>
-            </a:schemeClr>
-          </a:lnRef>
-          <a:fillRef idx="1">
-            <a:schemeClr val="accent1"/>
-          </a:fillRef>
-          <a:effectRef idx="0">
-            <a:schemeClr val="accent1"/>
-          </a:effectRef>
-          <a:fontRef idx="minor">
-            <a:schemeClr val="lt1"/>
-          </a:fontRef>
-        </p:style>
-        <p:txBody>
-          <a:bodyPr rtlCol="0" anchor="ctr"/>
-          <a:lstStyle/>
-          <a:p>
-            <a:pPr algn="ctr"/>
-            <a:endParaRPr lang="fr-FR"/>
-          </a:p>
-        </p:txBody>
-      </p:sp>
-      <p:sp>
-        <p:nvSpPr>
-          <p:cNvPr id="62" name="ZoneTexte 61"/>
-          <p:cNvSpPr txBox="1"/>
-          <p:nvPr/>
-        </p:nvSpPr>
-        <p:spPr>
-          <a:xfrm>
-            <a:off x="5937446" y="5832772"/>
-            <a:ext cx="1535785" cy="461665"/>
-          </a:xfrm>
-          <a:prstGeom prst="rect">
-            <a:avLst/>
-          </a:prstGeom>
-          <a:noFill/>
-          <a:ln>
-            <a:solidFill>
-              <a:schemeClr val="accent1"/>
-            </a:solidFill>
-          </a:ln>
-        </p:spPr>
-        <p:txBody>
-          <a:bodyPr wrap="square" rtlCol="0">
-            <a:spAutoFit/>
-          </a:bodyPr>
-          <a:lstStyle/>
-          <a:p>
-            <a:r>
-              <a:rPr lang="fr-FR" sz="1200" dirty="0" smtClean="0"/>
-              <a:t>Vide le tableau (après confirmation)</a:t>
-            </a:r>
-            <a:endParaRPr lang="fr-FR" sz="1200" dirty="0"/>
-          </a:p>
-        </p:txBody>
-      </p:sp>
-      <p:cxnSp>
-        <p:nvCxnSpPr>
-          <p:cNvPr id="63" name="Connecteur droit 62"/>
-          <p:cNvCxnSpPr>
-            <a:stCxn id="8" idx="2"/>
-            <a:endCxn id="62" idx="0"/>
-          </p:cNvCxnSpPr>
-          <p:nvPr/>
-        </p:nvCxnSpPr>
-        <p:spPr>
-          <a:xfrm flipH="1">
-            <a:off x="6705339" y="4296770"/>
-            <a:ext cx="209950" cy="1536002"/>
-          </a:xfrm>
-          <a:prstGeom prst="line">
-            <a:avLst/>
-          </a:prstGeom>
-          <a:ln w="25400"/>
-        </p:spPr>
-        <p:style>
-          <a:lnRef idx="1">
-            <a:schemeClr val="accent1"/>
-          </a:lnRef>
-          <a:fillRef idx="0">
-            <a:schemeClr val="accent1"/>
-          </a:fillRef>
-          <a:effectRef idx="0">
-            <a:schemeClr val="accent1"/>
-          </a:effectRef>
-          <a:fontRef idx="minor">
-            <a:schemeClr val="tx1"/>
-          </a:fontRef>
-        </p:style>
-      </p:cxnSp>
-      <p:sp>
-        <p:nvSpPr>
-          <p:cNvPr id="72" name="ZoneTexte 71"/>
-          <p:cNvSpPr txBox="1"/>
-          <p:nvPr/>
-        </p:nvSpPr>
-        <p:spPr>
-          <a:xfrm>
-            <a:off x="139552" y="6061317"/>
-            <a:ext cx="1422538" cy="461665"/>
-          </a:xfrm>
-          <a:prstGeom prst="rect">
-            <a:avLst/>
-          </a:prstGeom>
-          <a:noFill/>
-          <a:ln>
-            <a:solidFill>
-              <a:schemeClr val="accent1"/>
-            </a:solidFill>
-          </a:ln>
-        </p:spPr>
-        <p:txBody>
-          <a:bodyPr wrap="square" rtlCol="0">
-            <a:spAutoFit/>
-          </a:bodyPr>
-          <a:lstStyle/>
-          <a:p>
-            <a:r>
-              <a:rPr lang="fr-FR" sz="1200" dirty="0" smtClean="0"/>
-              <a:t>Interface principale de la BDD_GONIO</a:t>
-            </a:r>
-            <a:endParaRPr lang="fr-FR" sz="1200" dirty="0"/>
-          </a:p>
-        </p:txBody>
-      </p:sp>
-      <p:cxnSp>
-        <p:nvCxnSpPr>
-          <p:cNvPr id="73" name="Connecteur droit 72"/>
-          <p:cNvCxnSpPr>
-            <a:stCxn id="74" idx="2"/>
-            <a:endCxn id="72" idx="0"/>
-          </p:cNvCxnSpPr>
-          <p:nvPr/>
-        </p:nvCxnSpPr>
-        <p:spPr>
-          <a:xfrm flipH="1">
-            <a:off x="850821" y="5239209"/>
-            <a:ext cx="824146" cy="822108"/>
-          </a:xfrm>
-          <a:prstGeom prst="line">
-            <a:avLst/>
-          </a:prstGeom>
-          <a:ln w="25400"/>
-        </p:spPr>
-        <p:style>
-          <a:lnRef idx="1">
-            <a:schemeClr val="accent1"/>
-          </a:lnRef>
-          <a:fillRef idx="0">
-            <a:schemeClr val="accent1"/>
-          </a:fillRef>
-          <a:effectRef idx="0">
-            <a:schemeClr val="accent1"/>
-          </a:effectRef>
-          <a:fontRef idx="minor">
-            <a:schemeClr val="tx1"/>
-          </a:fontRef>
-        </p:style>
-      </p:cxnSp>
-      <p:sp>
-        <p:nvSpPr>
-          <p:cNvPr id="74" name="Rectangle 73"/>
-          <p:cNvSpPr/>
-          <p:nvPr/>
-        </p:nvSpPr>
-        <p:spPr>
-          <a:xfrm>
-            <a:off x="1003549" y="4897822"/>
-            <a:ext cx="1342836" cy="341387"/>
-          </a:xfrm>
-          <a:prstGeom prst="rect">
-            <a:avLst/>
-          </a:prstGeom>
-          <a:noFill/>
-        </p:spPr>
-        <p:style>
-          <a:lnRef idx="2">
-            <a:schemeClr val="accent1">
-              <a:shade val="50000"/>
-            </a:schemeClr>
-          </a:lnRef>
-          <a:fillRef idx="1">
-            <a:schemeClr val="accent1"/>
-          </a:fillRef>
-          <a:effectRef idx="0">
-            <a:schemeClr val="accent1"/>
-          </a:effectRef>
-          <a:fontRef idx="minor">
-            <a:schemeClr val="lt1"/>
-          </a:fontRef>
-        </p:style>
-        <p:txBody>
-          <a:bodyPr rtlCol="0" anchor="ctr"/>
-          <a:lstStyle/>
-          <a:p>
-            <a:pPr algn="ctr"/>
-            <a:endParaRPr lang="fr-FR"/>
-          </a:p>
-        </p:txBody>
-      </p:sp>
-      <p:sp>
-        <p:nvSpPr>
-          <p:cNvPr id="78" name="ZoneTexte 77"/>
-          <p:cNvSpPr txBox="1"/>
-          <p:nvPr/>
-        </p:nvSpPr>
-        <p:spPr>
-          <a:xfrm>
-            <a:off x="1979857" y="5968983"/>
-            <a:ext cx="1711660" cy="646331"/>
-          </a:xfrm>
-          <a:prstGeom prst="rect">
-            <a:avLst/>
-          </a:prstGeom>
-          <a:noFill/>
-          <a:ln>
-            <a:solidFill>
-              <a:schemeClr val="accent1"/>
-            </a:solidFill>
-          </a:ln>
-        </p:spPr>
-        <p:txBody>
-          <a:bodyPr wrap="square" rtlCol="0">
-            <a:spAutoFit/>
-          </a:bodyPr>
-          <a:lstStyle/>
-          <a:p>
-            <a:r>
-              <a:rPr lang="fr-FR" sz="1200" dirty="0" smtClean="0"/>
-              <a:t>Outil de conversion de coordonnées DMS &lt;-&gt; décimales</a:t>
-            </a:r>
-            <a:endParaRPr lang="fr-FR" sz="1200" dirty="0"/>
-          </a:p>
-        </p:txBody>
-      </p:sp>
-      <p:cxnSp>
-        <p:nvCxnSpPr>
-          <p:cNvPr id="79" name="Connecteur droit 78"/>
-          <p:cNvCxnSpPr>
-            <a:stCxn id="80" idx="2"/>
-            <a:endCxn id="78" idx="0"/>
-          </p:cNvCxnSpPr>
-          <p:nvPr/>
-        </p:nvCxnSpPr>
-        <p:spPr>
-          <a:xfrm>
-            <a:off x="2702703" y="5344867"/>
-            <a:ext cx="132984" cy="624116"/>
-          </a:xfrm>
-          <a:prstGeom prst="line">
-            <a:avLst/>
-          </a:prstGeom>
-          <a:ln w="25400"/>
-        </p:spPr>
-        <p:style>
-          <a:lnRef idx="1">
-            <a:schemeClr val="accent1"/>
-          </a:lnRef>
-          <a:fillRef idx="0">
-            <a:schemeClr val="accent1"/>
-          </a:fillRef>
-          <a:effectRef idx="0">
-            <a:schemeClr val="accent1"/>
-          </a:effectRef>
-          <a:fontRef idx="minor">
-            <a:schemeClr val="tx1"/>
-          </a:fontRef>
-        </p:style>
-      </p:cxnSp>
-      <p:sp>
-        <p:nvSpPr>
-          <p:cNvPr id="80" name="Rectangle 79"/>
-          <p:cNvSpPr/>
-          <p:nvPr/>
-        </p:nvSpPr>
-        <p:spPr>
-          <a:xfrm>
-            <a:off x="2244464" y="4982685"/>
-            <a:ext cx="916477" cy="362182"/>
-          </a:xfrm>
-          <a:prstGeom prst="rect">
-            <a:avLst/>
-          </a:prstGeom>
-          <a:noFill/>
-        </p:spPr>
-        <p:style>
-          <a:lnRef idx="2">
-            <a:schemeClr val="accent1">
-              <a:shade val="50000"/>
-            </a:schemeClr>
-          </a:lnRef>
-          <a:fillRef idx="1">
-            <a:schemeClr val="accent1"/>
-          </a:fillRef>
-          <a:effectRef idx="0">
-            <a:schemeClr val="accent1"/>
-          </a:effectRef>
-          <a:fontRef idx="minor">
-            <a:schemeClr val="lt1"/>
-          </a:fontRef>
-        </p:style>
-        <p:txBody>
-          <a:bodyPr rtlCol="0" anchor="ctr"/>
-          <a:lstStyle/>
-          <a:p>
-            <a:pPr algn="ctr"/>
-            <a:endParaRPr lang="fr-FR"/>
-          </a:p>
-        </p:txBody>
-      </p:sp>
     </p:spTree>
     <p:extLst>
       <p:ext uri="{BB962C8B-B14F-4D97-AF65-F5344CB8AC3E}">
@@ -2596,9 +2421,40 @@
           <a:chExt cx="0" cy="0"/>
         </a:xfrm>
       </p:grpSpPr>
+      <p:sp>
+        <p:nvSpPr>
+          <p:cNvPr id="4" name="ZoneTexte 3"/>
+          <p:cNvSpPr txBox="1"/>
+          <p:nvPr/>
+        </p:nvSpPr>
+        <p:spPr>
+          <a:xfrm>
+            <a:off x="0" y="188640"/>
+            <a:ext cx="9144000" cy="400110"/>
+          </a:xfrm>
+          <a:prstGeom prst="rect">
+            <a:avLst/>
+          </a:prstGeom>
+          <a:noFill/>
+        </p:spPr>
+        <p:txBody>
+          <a:bodyPr wrap="square" rtlCol="0">
+            <a:spAutoFit/>
+          </a:bodyPr>
+          <a:lstStyle/>
+          <a:p>
+            <a:pPr algn="ctr"/>
+            <a:r>
+              <a:rPr lang="fr-FR" sz="2000" b="1" dirty="0" smtClean="0"/>
+              <a:t>Présentation de l’interface</a:t>
+            </a:r>
+            <a:endParaRPr lang="fr-FR" sz="2000" b="1" dirty="0"/>
+          </a:p>
+        </p:txBody>
+      </p:sp>
       <p:pic>
         <p:nvPicPr>
-          <p:cNvPr id="3" name="Image 2"/>
+          <p:cNvPr id="28" name="Image 27"/>
           <p:cNvPicPr>
             <a:picLocks noChangeAspect="1"/>
           </p:cNvPicPr>
@@ -2606,13 +2462,13 @@
         </p:nvPicPr>
         <p:blipFill rotWithShape="1">
           <a:blip r:embed="rId2"/>
-          <a:srcRect l="66677" t="17198" b="25119"/>
+          <a:srcRect r="24323" b="79589"/>
           <a:stretch/>
         </p:blipFill>
         <p:spPr>
           <a:xfrm>
-            <a:off x="3102437" y="1993943"/>
-            <a:ext cx="2939126" cy="1971675"/>
+            <a:off x="13650" y="1206791"/>
+            <a:ext cx="9130350" cy="1157485"/>
           </a:xfrm>
           <a:prstGeom prst="rect">
             <a:avLst/>
@@ -2626,14 +2482,14 @@
       </p:pic>
       <p:sp>
         <p:nvSpPr>
-          <p:cNvPr id="4" name="ZoneTexte 3"/>
+          <p:cNvPr id="32" name="ZoneTexte 31"/>
           <p:cNvSpPr txBox="1"/>
           <p:nvPr/>
         </p:nvSpPr>
         <p:spPr>
           <a:xfrm>
-            <a:off x="0" y="188640"/>
-            <a:ext cx="9144000" cy="400110"/>
+            <a:off x="159225" y="2582207"/>
+            <a:ext cx="8839200" cy="3170099"/>
           </a:xfrm>
           <a:prstGeom prst="rect">
             <a:avLst/>
@@ -2646,504 +2502,108 @@
           </a:bodyPr>
           <a:lstStyle/>
           <a:p>
-            <a:pPr algn="ctr"/>
-            <a:r>
-              <a:rPr lang="fr-FR" sz="2000" b="1" dirty="0" smtClean="0"/>
-              <a:t>Présentation de l’interface</a:t>
-            </a:r>
-            <a:endParaRPr lang="fr-FR" sz="2000" b="1" dirty="0"/>
-          </a:p>
-        </p:txBody>
-      </p:sp>
-      <p:cxnSp>
-        <p:nvCxnSpPr>
-          <p:cNvPr id="11" name="Connecteur droit 10"/>
-          <p:cNvCxnSpPr>
-            <a:stCxn id="58" idx="2"/>
-            <a:endCxn id="78" idx="0"/>
-          </p:cNvCxnSpPr>
-          <p:nvPr/>
-        </p:nvCxnSpPr>
-        <p:spPr>
-          <a:xfrm flipH="1">
-            <a:off x="1841059" y="3328361"/>
-            <a:ext cx="2059343" cy="780377"/>
-          </a:xfrm>
-          <a:prstGeom prst="line">
-            <a:avLst/>
-          </a:prstGeom>
-          <a:ln w="25400"/>
-        </p:spPr>
-        <p:style>
-          <a:lnRef idx="1">
-            <a:schemeClr val="accent1"/>
-          </a:lnRef>
-          <a:fillRef idx="0">
-            <a:schemeClr val="accent1"/>
-          </a:fillRef>
-          <a:effectRef idx="0">
-            <a:schemeClr val="accent1"/>
-          </a:effectRef>
-          <a:fontRef idx="minor">
-            <a:schemeClr val="tx1"/>
-          </a:fontRef>
-        </p:style>
-      </p:cxnSp>
-      <p:sp>
-        <p:nvSpPr>
-          <p:cNvPr id="44" name="Rectangle 43"/>
-          <p:cNvSpPr/>
-          <p:nvPr/>
-        </p:nvSpPr>
-        <p:spPr>
-          <a:xfrm>
-            <a:off x="3300243" y="2256798"/>
-            <a:ext cx="1200317" cy="527754"/>
-          </a:xfrm>
-          <a:prstGeom prst="rect">
-            <a:avLst/>
-          </a:prstGeom>
-          <a:noFill/>
-        </p:spPr>
-        <p:style>
-          <a:lnRef idx="2">
-            <a:schemeClr val="accent1">
-              <a:shade val="50000"/>
-            </a:schemeClr>
-          </a:lnRef>
-          <a:fillRef idx="1">
-            <a:schemeClr val="accent1"/>
-          </a:fillRef>
-          <a:effectRef idx="0">
-            <a:schemeClr val="accent1"/>
-          </a:effectRef>
-          <a:fontRef idx="minor">
-            <a:schemeClr val="lt1"/>
-          </a:fontRef>
-        </p:style>
-        <p:txBody>
-          <a:bodyPr rtlCol="0" anchor="ctr"/>
-          <a:lstStyle/>
-          <a:p>
-            <a:pPr algn="ctr"/>
-            <a:endParaRPr lang="fr-FR"/>
-          </a:p>
-        </p:txBody>
-      </p:sp>
-      <p:sp>
-        <p:nvSpPr>
-          <p:cNvPr id="45" name="ZoneTexte 44"/>
-          <p:cNvSpPr txBox="1"/>
-          <p:nvPr/>
-        </p:nvSpPr>
-        <p:spPr>
-          <a:xfrm>
-            <a:off x="798259" y="1031518"/>
-            <a:ext cx="2716466" cy="830997"/>
-          </a:xfrm>
-          <a:prstGeom prst="rect">
-            <a:avLst/>
-          </a:prstGeom>
-          <a:noFill/>
-          <a:ln>
-            <a:solidFill>
-              <a:schemeClr val="accent1"/>
-            </a:solidFill>
-          </a:ln>
-        </p:spPr>
-        <p:txBody>
-          <a:bodyPr wrap="square" rtlCol="0">
-            <a:spAutoFit/>
-          </a:bodyPr>
-          <a:lstStyle/>
-          <a:p>
-            <a:r>
-              <a:rPr lang="fr-FR" sz="1200" dirty="0" smtClean="0"/>
-              <a:t>Génère un fichier contenant tous les relevés </a:t>
-            </a:r>
-            <a:r>
-              <a:rPr lang="fr-FR" sz="1200" dirty="0" err="1" smtClean="0"/>
-              <a:t>gonio</a:t>
-            </a:r>
-            <a:r>
-              <a:rPr lang="fr-FR" sz="1200" dirty="0" smtClean="0"/>
-              <a:t> du tableau (SAUF ceux présentant un problème de coordonnée ou d’azimut)</a:t>
-            </a:r>
-            <a:endParaRPr lang="fr-FR" sz="1200" dirty="0"/>
-          </a:p>
-        </p:txBody>
-      </p:sp>
-      <p:cxnSp>
-        <p:nvCxnSpPr>
-          <p:cNvPr id="46" name="Connecteur droit 45"/>
-          <p:cNvCxnSpPr>
-            <a:stCxn id="44" idx="0"/>
-            <a:endCxn id="45" idx="2"/>
-          </p:cNvCxnSpPr>
-          <p:nvPr/>
-        </p:nvCxnSpPr>
-        <p:spPr>
-          <a:xfrm flipH="1" flipV="1">
-            <a:off x="2156492" y="1862515"/>
-            <a:ext cx="1743910" cy="394283"/>
-          </a:xfrm>
-          <a:prstGeom prst="line">
-            <a:avLst/>
-          </a:prstGeom>
-          <a:ln w="25400"/>
-        </p:spPr>
-        <p:style>
-          <a:lnRef idx="1">
-            <a:schemeClr val="accent1"/>
-          </a:lnRef>
-          <a:fillRef idx="0">
-            <a:schemeClr val="accent1"/>
-          </a:fillRef>
-          <a:effectRef idx="0">
-            <a:schemeClr val="accent1"/>
-          </a:effectRef>
-          <a:fontRef idx="minor">
-            <a:schemeClr val="tx1"/>
-          </a:fontRef>
-        </p:style>
-      </p:cxnSp>
-      <p:sp>
-        <p:nvSpPr>
-          <p:cNvPr id="58" name="Rectangle 57"/>
-          <p:cNvSpPr/>
-          <p:nvPr/>
-        </p:nvSpPr>
-        <p:spPr>
-          <a:xfrm>
-            <a:off x="3442163" y="2966179"/>
-            <a:ext cx="916477" cy="362182"/>
-          </a:xfrm>
-          <a:prstGeom prst="rect">
-            <a:avLst/>
-          </a:prstGeom>
-          <a:noFill/>
-        </p:spPr>
-        <p:style>
-          <a:lnRef idx="2">
-            <a:schemeClr val="accent1">
-              <a:shade val="50000"/>
-            </a:schemeClr>
-          </a:lnRef>
-          <a:fillRef idx="1">
-            <a:schemeClr val="accent1"/>
-          </a:fillRef>
-          <a:effectRef idx="0">
-            <a:schemeClr val="accent1"/>
-          </a:effectRef>
-          <a:fontRef idx="minor">
-            <a:schemeClr val="lt1"/>
-          </a:fontRef>
-        </p:style>
-        <p:txBody>
-          <a:bodyPr rtlCol="0" anchor="ctr"/>
-          <a:lstStyle/>
-          <a:p>
-            <a:pPr algn="ctr"/>
-            <a:endParaRPr lang="fr-FR"/>
-          </a:p>
-        </p:txBody>
-      </p:sp>
-      <p:sp>
-        <p:nvSpPr>
-          <p:cNvPr id="78" name="ZoneTexte 77"/>
-          <p:cNvSpPr txBox="1"/>
-          <p:nvPr/>
-        </p:nvSpPr>
-        <p:spPr>
-          <a:xfrm>
-            <a:off x="579681" y="4108738"/>
-            <a:ext cx="2522755" cy="1384995"/>
-          </a:xfrm>
-          <a:prstGeom prst="rect">
-            <a:avLst/>
-          </a:prstGeom>
-          <a:noFill/>
-          <a:ln>
-            <a:solidFill>
-              <a:schemeClr val="accent1"/>
-            </a:solidFill>
-          </a:ln>
-        </p:spPr>
-        <p:txBody>
-          <a:bodyPr wrap="square" rtlCol="0">
-            <a:spAutoFit/>
-          </a:bodyPr>
-          <a:lstStyle/>
-          <a:p>
-            <a:r>
-              <a:rPr lang="fr-FR" sz="1200" dirty="0" smtClean="0"/>
-              <a:t>Pré rempli une nouvelle ligne en reprenant les éléments de la ligne précédente :</a:t>
-            </a:r>
-          </a:p>
-          <a:p>
-            <a:pPr marL="171450" indent="-171450">
-              <a:buFontTx/>
-              <a:buChar char="-"/>
-            </a:pPr>
-            <a:r>
-              <a:rPr lang="fr-FR" sz="1200" dirty="0" smtClean="0"/>
-              <a:t>GDH courant</a:t>
-            </a:r>
-          </a:p>
-          <a:p>
-            <a:pPr marL="171450" indent="-171450">
-              <a:buFontTx/>
-              <a:buChar char="-"/>
-            </a:pPr>
-            <a:r>
-              <a:rPr lang="fr-FR" sz="1200" dirty="0" smtClean="0"/>
-              <a:t>Position capteur</a:t>
-            </a:r>
-          </a:p>
-          <a:p>
-            <a:pPr marL="171450" indent="-171450">
-              <a:buFontTx/>
-              <a:buChar char="-"/>
-            </a:pPr>
-            <a:r>
-              <a:rPr lang="fr-FR" sz="1200" dirty="0" smtClean="0"/>
-              <a:t>Nom capteur</a:t>
-            </a:r>
-          </a:p>
-          <a:p>
-            <a:pPr marL="171450" indent="-171450">
-              <a:buFontTx/>
-              <a:buChar char="-"/>
-            </a:pPr>
-            <a:r>
-              <a:rPr lang="fr-FR" sz="1200" dirty="0" smtClean="0"/>
-              <a:t>Couleur du tir</a:t>
-            </a:r>
-          </a:p>
-        </p:txBody>
-      </p:sp>
-      <p:cxnSp>
-        <p:nvCxnSpPr>
-          <p:cNvPr id="40" name="Connecteur droit 39"/>
-          <p:cNvCxnSpPr>
-            <a:stCxn id="41" idx="2"/>
-            <a:endCxn id="42" idx="0"/>
-          </p:cNvCxnSpPr>
-          <p:nvPr/>
-        </p:nvCxnSpPr>
-        <p:spPr>
-          <a:xfrm>
-            <a:off x="5271060" y="3055122"/>
-            <a:ext cx="1857379" cy="1263166"/>
-          </a:xfrm>
-          <a:prstGeom prst="line">
-            <a:avLst/>
-          </a:prstGeom>
-          <a:ln w="25400"/>
-        </p:spPr>
-        <p:style>
-          <a:lnRef idx="1">
-            <a:schemeClr val="accent1"/>
-          </a:lnRef>
-          <a:fillRef idx="0">
-            <a:schemeClr val="accent1"/>
-          </a:fillRef>
-          <a:effectRef idx="0">
-            <a:schemeClr val="accent1"/>
-          </a:effectRef>
-          <a:fontRef idx="minor">
-            <a:schemeClr val="tx1"/>
-          </a:fontRef>
-        </p:style>
-      </p:cxnSp>
-      <p:sp>
-        <p:nvSpPr>
-          <p:cNvPr id="41" name="Rectangle 40"/>
-          <p:cNvSpPr/>
-          <p:nvPr/>
-        </p:nvSpPr>
-        <p:spPr>
-          <a:xfrm>
-            <a:off x="4812821" y="2692940"/>
-            <a:ext cx="916477" cy="362182"/>
-          </a:xfrm>
-          <a:prstGeom prst="rect">
-            <a:avLst/>
-          </a:prstGeom>
-          <a:noFill/>
-        </p:spPr>
-        <p:style>
-          <a:lnRef idx="2">
-            <a:schemeClr val="accent1">
-              <a:shade val="50000"/>
-            </a:schemeClr>
-          </a:lnRef>
-          <a:fillRef idx="1">
-            <a:schemeClr val="accent1"/>
-          </a:fillRef>
-          <a:effectRef idx="0">
-            <a:schemeClr val="accent1"/>
-          </a:effectRef>
-          <a:fontRef idx="minor">
-            <a:schemeClr val="lt1"/>
-          </a:fontRef>
-        </p:style>
-        <p:txBody>
-          <a:bodyPr rtlCol="0" anchor="ctr"/>
-          <a:lstStyle/>
-          <a:p>
-            <a:pPr algn="ctr"/>
-            <a:endParaRPr lang="fr-FR"/>
-          </a:p>
-        </p:txBody>
-      </p:sp>
-      <p:sp>
-        <p:nvSpPr>
-          <p:cNvPr id="42" name="ZoneTexte 41"/>
-          <p:cNvSpPr txBox="1"/>
-          <p:nvPr/>
-        </p:nvSpPr>
-        <p:spPr>
-          <a:xfrm>
-            <a:off x="6041564" y="4318288"/>
-            <a:ext cx="2173750" cy="646331"/>
-          </a:xfrm>
-          <a:prstGeom prst="rect">
-            <a:avLst/>
-          </a:prstGeom>
-          <a:noFill/>
-          <a:ln>
-            <a:solidFill>
-              <a:schemeClr val="accent1"/>
-            </a:solidFill>
-          </a:ln>
-        </p:spPr>
-        <p:txBody>
-          <a:bodyPr wrap="square" rtlCol="0">
-            <a:spAutoFit/>
-          </a:bodyPr>
-          <a:lstStyle/>
-          <a:p>
-            <a:r>
-              <a:rPr lang="fr-FR" sz="1200" dirty="0" smtClean="0"/>
-              <a:t>Affiche une aide simple rappelant le minimum pour faire fonctionner l’outil</a:t>
-            </a:r>
-          </a:p>
-        </p:txBody>
-      </p:sp>
-      <p:cxnSp>
-        <p:nvCxnSpPr>
-          <p:cNvPr id="43" name="Connecteur droit 42"/>
-          <p:cNvCxnSpPr>
-            <a:stCxn id="47" idx="3"/>
-            <a:endCxn id="48" idx="0"/>
-          </p:cNvCxnSpPr>
-          <p:nvPr/>
-        </p:nvCxnSpPr>
-        <p:spPr>
-          <a:xfrm>
-            <a:off x="5943601" y="2365100"/>
-            <a:ext cx="1954321" cy="291766"/>
-          </a:xfrm>
-          <a:prstGeom prst="line">
-            <a:avLst/>
-          </a:prstGeom>
-          <a:ln w="25400"/>
-        </p:spPr>
-        <p:style>
-          <a:lnRef idx="1">
-            <a:schemeClr val="accent1"/>
-          </a:lnRef>
-          <a:fillRef idx="0">
-            <a:schemeClr val="accent1"/>
-          </a:fillRef>
-          <a:effectRef idx="0">
-            <a:schemeClr val="accent1"/>
-          </a:effectRef>
-          <a:fontRef idx="minor">
-            <a:schemeClr val="tx1"/>
-          </a:fontRef>
-        </p:style>
-      </p:cxnSp>
-      <p:sp>
-        <p:nvSpPr>
-          <p:cNvPr id="47" name="Rectangle 46"/>
-          <p:cNvSpPr/>
-          <p:nvPr/>
-        </p:nvSpPr>
-        <p:spPr>
-          <a:xfrm>
-            <a:off x="4726942" y="2130486"/>
-            <a:ext cx="1216659" cy="469228"/>
-          </a:xfrm>
-          <a:prstGeom prst="rect">
-            <a:avLst/>
-          </a:prstGeom>
-          <a:noFill/>
-        </p:spPr>
-        <p:style>
-          <a:lnRef idx="2">
-            <a:schemeClr val="accent1">
-              <a:shade val="50000"/>
-            </a:schemeClr>
-          </a:lnRef>
-          <a:fillRef idx="1">
-            <a:schemeClr val="accent1"/>
-          </a:fillRef>
-          <a:effectRef idx="0">
-            <a:schemeClr val="accent1"/>
-          </a:effectRef>
-          <a:fontRef idx="minor">
-            <a:schemeClr val="lt1"/>
-          </a:fontRef>
-        </p:style>
-        <p:txBody>
-          <a:bodyPr rtlCol="0" anchor="ctr"/>
-          <a:lstStyle/>
-          <a:p>
-            <a:pPr algn="ctr"/>
-            <a:endParaRPr lang="fr-FR"/>
-          </a:p>
-        </p:txBody>
-      </p:sp>
-      <p:sp>
-        <p:nvSpPr>
-          <p:cNvPr id="48" name="ZoneTexte 47"/>
-          <p:cNvSpPr txBox="1"/>
-          <p:nvPr/>
-        </p:nvSpPr>
-        <p:spPr>
-          <a:xfrm>
-            <a:off x="6811047" y="2656866"/>
-            <a:ext cx="2173750" cy="646331"/>
-          </a:xfrm>
-          <a:prstGeom prst="rect">
-            <a:avLst/>
-          </a:prstGeom>
-          <a:noFill/>
-          <a:ln>
-            <a:solidFill>
-              <a:schemeClr val="accent1"/>
-            </a:solidFill>
-          </a:ln>
-        </p:spPr>
-        <p:txBody>
-          <a:bodyPr wrap="square" rtlCol="0">
-            <a:spAutoFit/>
-          </a:bodyPr>
-          <a:lstStyle/>
-          <a:p>
-            <a:r>
-              <a:rPr lang="fr-FR" sz="1200" dirty="0" smtClean="0"/>
-              <a:t>Affiche un outil de conversion des coordonnées DMS &lt;-&gt; décimales</a:t>
-            </a:r>
+            <a:r>
+              <a:rPr lang="fr-FR" sz="2000" dirty="0" smtClean="0"/>
+              <a:t>Détail des colonnes</a:t>
+            </a:r>
+          </a:p>
+          <a:p>
+            <a:pPr marL="342900" indent="-342900">
+              <a:buFontTx/>
+              <a:buChar char="-"/>
+            </a:pPr>
+            <a:r>
+              <a:rPr lang="fr-FR" sz="2000" dirty="0" smtClean="0"/>
+              <a:t>GDH : date/heure du relevé</a:t>
+            </a:r>
+          </a:p>
+          <a:p>
+            <a:pPr marL="342900" indent="-342900">
+              <a:buFontTx/>
+              <a:buChar char="-"/>
+            </a:pPr>
+            <a:r>
+              <a:rPr lang="fr-FR" sz="2000" dirty="0" smtClean="0"/>
+              <a:t>CAPTEUR : capteur ayant effectué le relevé</a:t>
+            </a:r>
+          </a:p>
+          <a:p>
+            <a:pPr marL="342900" indent="-342900">
+              <a:buFontTx/>
+              <a:buChar char="-"/>
+            </a:pPr>
+            <a:r>
+              <a:rPr lang="fr-FR" sz="2000" dirty="0" smtClean="0"/>
+              <a:t>FREQUENCE : Fréquence </a:t>
+            </a:r>
+          </a:p>
+          <a:p>
+            <a:pPr marL="342900" indent="-342900">
+              <a:buFontTx/>
+              <a:buChar char="-"/>
+            </a:pPr>
+            <a:r>
+              <a:rPr lang="fr-FR" sz="2000" dirty="0" smtClean="0"/>
+              <a:t>API : indicatif émetteur au moment du relevé</a:t>
+            </a:r>
+          </a:p>
+          <a:p>
+            <a:pPr marL="342900" indent="-342900">
+              <a:buFontTx/>
+              <a:buChar char="-"/>
+            </a:pPr>
+            <a:r>
+              <a:rPr lang="fr-FR" sz="2000" dirty="0" smtClean="0"/>
+              <a:t>X/LONG CAPT : coordonnée capteur</a:t>
+            </a:r>
+          </a:p>
+          <a:p>
+            <a:pPr marL="342900" indent="-342900">
+              <a:buFontTx/>
+              <a:buChar char="-"/>
+            </a:pPr>
+            <a:r>
+              <a:rPr lang="fr-FR" sz="2000" dirty="0" smtClean="0"/>
+              <a:t>Y/LAT CAPT : c</a:t>
+            </a:r>
+          </a:p>
+          <a:p>
+            <a:pPr marL="342900" indent="-342900">
+              <a:buFontTx/>
+              <a:buChar char="-"/>
+            </a:pPr>
+            <a:r>
+              <a:rPr lang="fr-FR" sz="2000" dirty="0" smtClean="0"/>
+              <a:t>AZM</a:t>
+            </a:r>
+          </a:p>
+          <a:p>
+            <a:pPr marL="342900" indent="-342900">
+              <a:buFontTx/>
+              <a:buChar char="-"/>
+            </a:pPr>
+            <a:r>
+              <a:rPr lang="fr-FR" sz="2000" dirty="0" smtClean="0"/>
+              <a:t>COULEUR</a:t>
+            </a:r>
+          </a:p>
+          <a:p>
+            <a:pPr marL="342900" indent="-342900">
+              <a:buFontTx/>
+              <a:buChar char="-"/>
+            </a:pPr>
+            <a:r>
+              <a:rPr lang="fr-FR" sz="2000" dirty="0" smtClean="0"/>
+              <a:t>GROUPE</a:t>
+            </a:r>
+            <a:endParaRPr lang="fr-FR" sz="2000" dirty="0" smtClean="0"/>
           </a:p>
         </p:txBody>
       </p:sp>
     </p:spTree>
     <p:extLst>
       <p:ext uri="{BB962C8B-B14F-4D97-AF65-F5344CB8AC3E}">
-        <p14:creationId xmlns:p14="http://schemas.microsoft.com/office/powerpoint/2010/main" val="1474655826"/>
+        <p14:creationId xmlns:p14="http://schemas.microsoft.com/office/powerpoint/2010/main" val="2415985698"/>
       </p:ext>
     </p:extLst>
   </p:cSld>
@@ -3172,7 +2632,105 @@
       </p:grpSpPr>
       <p:sp>
         <p:nvSpPr>
-          <p:cNvPr id="4" name="ZoneTexte 3"/>
+          <p:cNvPr id="2" name="Rectangle 1"/>
+          <p:cNvSpPr/>
+          <p:nvPr/>
+        </p:nvSpPr>
+        <p:spPr>
+          <a:xfrm>
+            <a:off x="400050" y="1071086"/>
+            <a:ext cx="8343900" cy="4524315"/>
+          </a:xfrm>
+          <a:prstGeom prst="rect">
+            <a:avLst/>
+          </a:prstGeom>
+        </p:spPr>
+        <p:txBody>
+          <a:bodyPr wrap="square">
+            <a:spAutoFit/>
+          </a:bodyPr>
+          <a:lstStyle/>
+          <a:p>
+            <a:r>
+              <a:rPr lang="fr-FR" dirty="0" smtClean="0"/>
+              <a:t>Pour générer un tir, seul les colonnes X/LONG CAPT, Y/LAT CAPT et AZM sont nécessaires.</a:t>
+            </a:r>
+          </a:p>
+          <a:p>
+            <a:r>
+              <a:rPr lang="fr-FR" dirty="0" smtClean="0"/>
+              <a:t>Rappel : chaque information indiquée dans le tableau alimente les métadonnées du relevé</a:t>
+            </a:r>
+          </a:p>
+          <a:p>
+            <a:endParaRPr lang="fr-FR" dirty="0" smtClean="0"/>
+          </a:p>
+          <a:p>
+            <a:endParaRPr lang="fr-FR" dirty="0"/>
+          </a:p>
+          <a:p>
+            <a:r>
+              <a:rPr lang="fr-FR" dirty="0" smtClean="0"/>
+              <a:t>Exemples de coordonnées fonctionnelles</a:t>
+            </a:r>
+          </a:p>
+          <a:p>
+            <a:endParaRPr lang="fr-FR" dirty="0"/>
+          </a:p>
+          <a:p>
+            <a:r>
+              <a:rPr lang="fr-FR" dirty="0" smtClean="0"/>
+              <a:t>48,86</a:t>
+            </a:r>
+            <a:endParaRPr lang="fr-FR" dirty="0"/>
+          </a:p>
+          <a:p>
+            <a:r>
+              <a:rPr lang="fr-FR" dirty="0"/>
+              <a:t>48.86°</a:t>
+            </a:r>
+          </a:p>
+          <a:p>
+            <a:r>
+              <a:rPr lang="fr-FR" dirty="0"/>
+              <a:t>48° 47' 32,8298" N</a:t>
+            </a:r>
+          </a:p>
+          <a:p>
+            <a:r>
+              <a:rPr lang="fr-FR" dirty="0"/>
+              <a:t>48 47 32 N</a:t>
+            </a:r>
+          </a:p>
+          <a:p>
+            <a:r>
+              <a:rPr lang="fr-FR" dirty="0"/>
+              <a:t>S 48° 47' </a:t>
+            </a:r>
+            <a:r>
+              <a:rPr lang="fr-FR" dirty="0" smtClean="0"/>
+              <a:t>32,8298« </a:t>
+            </a:r>
+          </a:p>
+          <a:p>
+            <a:endParaRPr lang="fr-FR" dirty="0"/>
+          </a:p>
+          <a:p>
+            <a:r>
+              <a:rPr lang="fr-FR" dirty="0" smtClean="0"/>
+              <a:t>Si une coordonnée ou un azimut est vide ou illisible, la ligne </a:t>
+            </a:r>
+            <a:r>
+              <a:rPr lang="fr-FR" smtClean="0"/>
+              <a:t>sera marquée en « PROBLEME »</a:t>
+            </a:r>
+            <a:endParaRPr lang="fr-FR" dirty="0"/>
+          </a:p>
+        </p:txBody>
+      </p:sp>
+      <p:sp>
+        <p:nvSpPr>
+          <p:cNvPr id="3" name="ZoneTexte 2"/>
           <p:cNvSpPr txBox="1"/>
           <p:nvPr/>
         </p:nvSpPr>
@@ -3195,937 +2753,16 @@
             <a:pPr algn="ctr"/>
             <a:r>
               <a:rPr lang="fr-FR" sz="2000" b="1" dirty="0" smtClean="0"/>
-              <a:t>Présentation de l’interface</a:t>
+              <a:t>Consignes</a:t>
             </a:r>
             <a:endParaRPr lang="fr-FR" sz="2000" b="1" dirty="0"/>
           </a:p>
         </p:txBody>
       </p:sp>
-      <p:pic>
-        <p:nvPicPr>
-          <p:cNvPr id="2" name="Image 1"/>
-          <p:cNvPicPr>
-            <a:picLocks noChangeAspect="1"/>
-          </p:cNvPicPr>
-          <p:nvPr/>
-        </p:nvPicPr>
-        <p:blipFill>
-          <a:blip r:embed="rId2"/>
-          <a:stretch>
-            <a:fillRect/>
-          </a:stretch>
-        </p:blipFill>
-        <p:spPr>
-          <a:xfrm>
-            <a:off x="1" y="2867544"/>
-            <a:ext cx="9144000" cy="884153"/>
-          </a:xfrm>
-          <a:prstGeom prst="rect">
-            <a:avLst/>
-          </a:prstGeom>
-          <a:ln>
-            <a:solidFill>
-              <a:schemeClr val="tx1"/>
-            </a:solidFill>
-          </a:ln>
-        </p:spPr>
-      </p:pic>
-      <p:sp>
-        <p:nvSpPr>
-          <p:cNvPr id="29" name="Rectangle 28"/>
-          <p:cNvSpPr/>
-          <p:nvPr/>
-        </p:nvSpPr>
-        <p:spPr>
-          <a:xfrm>
-            <a:off x="1382685" y="3030243"/>
-            <a:ext cx="640381" cy="322035"/>
-          </a:xfrm>
-          <a:prstGeom prst="rect">
-            <a:avLst/>
-          </a:prstGeom>
-          <a:noFill/>
-        </p:spPr>
-        <p:style>
-          <a:lnRef idx="2">
-            <a:schemeClr val="accent1">
-              <a:shade val="50000"/>
-            </a:schemeClr>
-          </a:lnRef>
-          <a:fillRef idx="1">
-            <a:schemeClr val="accent1"/>
-          </a:fillRef>
-          <a:effectRef idx="0">
-            <a:schemeClr val="accent1"/>
-          </a:effectRef>
-          <a:fontRef idx="minor">
-            <a:schemeClr val="lt1"/>
-          </a:fontRef>
-        </p:style>
-        <p:txBody>
-          <a:bodyPr rtlCol="0" anchor="ctr"/>
-          <a:lstStyle/>
-          <a:p>
-            <a:pPr algn="ctr"/>
-            <a:endParaRPr lang="fr-FR"/>
-          </a:p>
-        </p:txBody>
-      </p:sp>
-      <p:sp>
-        <p:nvSpPr>
-          <p:cNvPr id="30" name="ZoneTexte 29"/>
-          <p:cNvSpPr txBox="1"/>
-          <p:nvPr/>
-        </p:nvSpPr>
-        <p:spPr>
-          <a:xfrm>
-            <a:off x="853230" y="4105710"/>
-            <a:ext cx="1322236" cy="646331"/>
-          </a:xfrm>
-          <a:prstGeom prst="rect">
-            <a:avLst/>
-          </a:prstGeom>
-          <a:noFill/>
-          <a:ln>
-            <a:solidFill>
-              <a:schemeClr val="accent1"/>
-            </a:solidFill>
-          </a:ln>
-        </p:spPr>
-        <p:txBody>
-          <a:bodyPr wrap="square" rtlCol="0">
-            <a:spAutoFit/>
-          </a:bodyPr>
-          <a:lstStyle/>
-          <a:p>
-            <a:r>
-              <a:rPr lang="fr-FR" sz="1200" dirty="0" smtClean="0"/>
-              <a:t>Nom arbitraire du capteur. Ex : PLAE, 81, OPE M206,…</a:t>
-            </a:r>
-            <a:endParaRPr lang="fr-FR" sz="1200" dirty="0"/>
-          </a:p>
-        </p:txBody>
-      </p:sp>
-      <p:cxnSp>
-        <p:nvCxnSpPr>
-          <p:cNvPr id="31" name="Connecteur droit 30"/>
-          <p:cNvCxnSpPr>
-            <a:stCxn id="29" idx="2"/>
-            <a:endCxn id="30" idx="0"/>
-          </p:cNvCxnSpPr>
-          <p:nvPr/>
-        </p:nvCxnSpPr>
-        <p:spPr>
-          <a:xfrm flipH="1">
-            <a:off x="1514348" y="3352278"/>
-            <a:ext cx="188528" cy="753432"/>
-          </a:xfrm>
-          <a:prstGeom prst="line">
-            <a:avLst/>
-          </a:prstGeom>
-          <a:ln w="25400"/>
-        </p:spPr>
-        <p:style>
-          <a:lnRef idx="1">
-            <a:schemeClr val="accent1"/>
-          </a:lnRef>
-          <a:fillRef idx="0">
-            <a:schemeClr val="accent1"/>
-          </a:fillRef>
-          <a:effectRef idx="0">
-            <a:schemeClr val="accent1"/>
-          </a:effectRef>
-          <a:fontRef idx="minor">
-            <a:schemeClr val="tx1"/>
-          </a:fontRef>
-        </p:style>
-      </p:cxnSp>
-      <p:sp>
-        <p:nvSpPr>
-          <p:cNvPr id="36" name="Rectangle 35"/>
-          <p:cNvSpPr/>
-          <p:nvPr/>
-        </p:nvSpPr>
-        <p:spPr>
-          <a:xfrm>
-            <a:off x="192112" y="3026169"/>
-            <a:ext cx="1058910" cy="326109"/>
-          </a:xfrm>
-          <a:prstGeom prst="rect">
-            <a:avLst/>
-          </a:prstGeom>
-          <a:noFill/>
-        </p:spPr>
-        <p:style>
-          <a:lnRef idx="2">
-            <a:schemeClr val="accent1">
-              <a:shade val="50000"/>
-            </a:schemeClr>
-          </a:lnRef>
-          <a:fillRef idx="1">
-            <a:schemeClr val="accent1"/>
-          </a:fillRef>
-          <a:effectRef idx="0">
-            <a:schemeClr val="accent1"/>
-          </a:effectRef>
-          <a:fontRef idx="minor">
-            <a:schemeClr val="lt1"/>
-          </a:fontRef>
-        </p:style>
-        <p:txBody>
-          <a:bodyPr rtlCol="0" anchor="ctr"/>
-          <a:lstStyle/>
-          <a:p>
-            <a:pPr algn="ctr"/>
-            <a:endParaRPr lang="fr-FR"/>
-          </a:p>
-        </p:txBody>
-      </p:sp>
-      <p:sp>
-        <p:nvSpPr>
-          <p:cNvPr id="40" name="ZoneTexte 39"/>
-          <p:cNvSpPr txBox="1"/>
-          <p:nvPr/>
-        </p:nvSpPr>
-        <p:spPr>
-          <a:xfrm>
-            <a:off x="192112" y="2181758"/>
-            <a:ext cx="1322236" cy="461665"/>
-          </a:xfrm>
-          <a:prstGeom prst="rect">
-            <a:avLst/>
-          </a:prstGeom>
-          <a:noFill/>
-          <a:ln>
-            <a:solidFill>
-              <a:schemeClr val="accent1"/>
-            </a:solidFill>
-          </a:ln>
-        </p:spPr>
-        <p:txBody>
-          <a:bodyPr wrap="square" rtlCol="0">
-            <a:spAutoFit/>
-          </a:bodyPr>
-          <a:lstStyle/>
-          <a:p>
-            <a:r>
-              <a:rPr lang="fr-FR" sz="1200" dirty="0" smtClean="0"/>
-              <a:t>Date et heure au moment du tir </a:t>
-            </a:r>
-            <a:endParaRPr lang="fr-FR" sz="1200" dirty="0"/>
-          </a:p>
-        </p:txBody>
-      </p:sp>
-      <p:cxnSp>
-        <p:nvCxnSpPr>
-          <p:cNvPr id="41" name="Connecteur droit 40"/>
-          <p:cNvCxnSpPr>
-            <a:stCxn id="36" idx="0"/>
-            <a:endCxn id="40" idx="2"/>
-          </p:cNvCxnSpPr>
-          <p:nvPr/>
-        </p:nvCxnSpPr>
-        <p:spPr>
-          <a:xfrm flipV="1">
-            <a:off x="721567" y="2643423"/>
-            <a:ext cx="131663" cy="382746"/>
-          </a:xfrm>
-          <a:prstGeom prst="line">
-            <a:avLst/>
-          </a:prstGeom>
-          <a:ln w="25400"/>
-        </p:spPr>
-        <p:style>
-          <a:lnRef idx="1">
-            <a:schemeClr val="accent1"/>
-          </a:lnRef>
-          <a:fillRef idx="0">
-            <a:schemeClr val="accent1"/>
-          </a:fillRef>
-          <a:effectRef idx="0">
-            <a:schemeClr val="accent1"/>
-          </a:effectRef>
-          <a:fontRef idx="minor">
-            <a:schemeClr val="tx1"/>
-          </a:fontRef>
-        </p:style>
-      </p:cxnSp>
-      <p:sp>
-        <p:nvSpPr>
-          <p:cNvPr id="50" name="Rectangle 49"/>
-          <p:cNvSpPr/>
-          <p:nvPr/>
-        </p:nvSpPr>
-        <p:spPr>
-          <a:xfrm>
-            <a:off x="2104251" y="3026169"/>
-            <a:ext cx="482677" cy="326109"/>
-          </a:xfrm>
-          <a:prstGeom prst="rect">
-            <a:avLst/>
-          </a:prstGeom>
-          <a:noFill/>
-        </p:spPr>
-        <p:style>
-          <a:lnRef idx="2">
-            <a:schemeClr val="accent1">
-              <a:shade val="50000"/>
-            </a:schemeClr>
-          </a:lnRef>
-          <a:fillRef idx="1">
-            <a:schemeClr val="accent1"/>
-          </a:fillRef>
-          <a:effectRef idx="0">
-            <a:schemeClr val="accent1"/>
-          </a:effectRef>
-          <a:fontRef idx="minor">
-            <a:schemeClr val="lt1"/>
-          </a:fontRef>
-        </p:style>
-        <p:txBody>
-          <a:bodyPr rtlCol="0" anchor="ctr"/>
-          <a:lstStyle/>
-          <a:p>
-            <a:pPr algn="ctr"/>
-            <a:endParaRPr lang="fr-FR"/>
-          </a:p>
-        </p:txBody>
-      </p:sp>
-      <p:sp>
-        <p:nvSpPr>
-          <p:cNvPr id="51" name="ZoneTexte 50"/>
-          <p:cNvSpPr txBox="1"/>
-          <p:nvPr/>
-        </p:nvSpPr>
-        <p:spPr>
-          <a:xfrm>
-            <a:off x="1733099" y="2093697"/>
-            <a:ext cx="1322236" cy="646331"/>
-          </a:xfrm>
-          <a:prstGeom prst="rect">
-            <a:avLst/>
-          </a:prstGeom>
-          <a:noFill/>
-          <a:ln>
-            <a:solidFill>
-              <a:schemeClr val="accent1"/>
-            </a:solidFill>
-          </a:ln>
-        </p:spPr>
-        <p:txBody>
-          <a:bodyPr wrap="square" rtlCol="0">
-            <a:spAutoFit/>
-          </a:bodyPr>
-          <a:lstStyle/>
-          <a:p>
-            <a:r>
-              <a:rPr lang="fr-FR" sz="1200" dirty="0" smtClean="0"/>
-              <a:t>Fréquence sur laquelle porte le relevé</a:t>
-            </a:r>
-            <a:endParaRPr lang="fr-FR" sz="1200" dirty="0"/>
-          </a:p>
-        </p:txBody>
-      </p:sp>
-      <p:cxnSp>
-        <p:nvCxnSpPr>
-          <p:cNvPr id="52" name="Connecteur droit 51"/>
-          <p:cNvCxnSpPr>
-            <a:stCxn id="50" idx="0"/>
-            <a:endCxn id="51" idx="2"/>
-          </p:cNvCxnSpPr>
-          <p:nvPr/>
-        </p:nvCxnSpPr>
-        <p:spPr>
-          <a:xfrm flipV="1">
-            <a:off x="2345590" y="2740028"/>
-            <a:ext cx="48627" cy="286141"/>
-          </a:xfrm>
-          <a:prstGeom prst="line">
-            <a:avLst/>
-          </a:prstGeom>
-          <a:ln w="25400"/>
-        </p:spPr>
-        <p:style>
-          <a:lnRef idx="1">
-            <a:schemeClr val="accent1"/>
-          </a:lnRef>
-          <a:fillRef idx="0">
-            <a:schemeClr val="accent1"/>
-          </a:fillRef>
-          <a:effectRef idx="0">
-            <a:schemeClr val="accent1"/>
-          </a:effectRef>
-          <a:fontRef idx="minor">
-            <a:schemeClr val="tx1"/>
-          </a:fontRef>
-        </p:style>
-      </p:cxnSp>
-      <p:sp>
-        <p:nvSpPr>
-          <p:cNvPr id="57" name="Rectangle 56"/>
-          <p:cNvSpPr/>
-          <p:nvPr/>
-        </p:nvSpPr>
-        <p:spPr>
-          <a:xfrm>
-            <a:off x="3166260" y="2985670"/>
-            <a:ext cx="1965297" cy="366608"/>
-          </a:xfrm>
-          <a:prstGeom prst="rect">
-            <a:avLst/>
-          </a:prstGeom>
-          <a:noFill/>
-        </p:spPr>
-        <p:style>
-          <a:lnRef idx="2">
-            <a:schemeClr val="accent1">
-              <a:shade val="50000"/>
-            </a:schemeClr>
-          </a:lnRef>
-          <a:fillRef idx="1">
-            <a:schemeClr val="accent1"/>
-          </a:fillRef>
-          <a:effectRef idx="0">
-            <a:schemeClr val="accent1"/>
-          </a:effectRef>
-          <a:fontRef idx="minor">
-            <a:schemeClr val="lt1"/>
-          </a:fontRef>
-        </p:style>
-        <p:txBody>
-          <a:bodyPr rtlCol="0" anchor="ctr"/>
-          <a:lstStyle/>
-          <a:p>
-            <a:pPr algn="ctr"/>
-            <a:endParaRPr lang="fr-FR"/>
-          </a:p>
-        </p:txBody>
-      </p:sp>
-      <p:sp>
-        <p:nvSpPr>
-          <p:cNvPr id="59" name="ZoneTexte 58"/>
-          <p:cNvSpPr txBox="1"/>
-          <p:nvPr/>
-        </p:nvSpPr>
-        <p:spPr>
-          <a:xfrm>
-            <a:off x="3166260" y="2006460"/>
-            <a:ext cx="1992592" cy="646331"/>
-          </a:xfrm>
-          <a:prstGeom prst="rect">
-            <a:avLst/>
-          </a:prstGeom>
-          <a:noFill/>
-          <a:ln>
-            <a:solidFill>
-              <a:schemeClr val="accent1"/>
-            </a:solidFill>
-          </a:ln>
-        </p:spPr>
-        <p:txBody>
-          <a:bodyPr wrap="square" rtlCol="0">
-            <a:spAutoFit/>
-          </a:bodyPr>
-          <a:lstStyle/>
-          <a:p>
-            <a:r>
-              <a:rPr lang="fr-FR" sz="1200" dirty="0" smtClean="0"/>
-              <a:t>Coordonnées capteur au moment du tir. Au format D°M’S’’ ou </a:t>
-            </a:r>
-            <a:r>
-              <a:rPr lang="fr-FR" sz="1200" dirty="0" err="1" smtClean="0"/>
-              <a:t>dd.dddd</a:t>
-            </a:r>
-            <a:endParaRPr lang="fr-FR" sz="1200" dirty="0"/>
-          </a:p>
-        </p:txBody>
-      </p:sp>
-      <p:cxnSp>
-        <p:nvCxnSpPr>
-          <p:cNvPr id="60" name="Connecteur droit 59"/>
-          <p:cNvCxnSpPr>
-            <a:stCxn id="57" idx="0"/>
-            <a:endCxn id="59" idx="2"/>
-          </p:cNvCxnSpPr>
-          <p:nvPr/>
-        </p:nvCxnSpPr>
-        <p:spPr>
-          <a:xfrm flipV="1">
-            <a:off x="4148909" y="2652791"/>
-            <a:ext cx="13647" cy="332879"/>
-          </a:xfrm>
-          <a:prstGeom prst="line">
-            <a:avLst/>
-          </a:prstGeom>
-          <a:ln w="25400"/>
-        </p:spPr>
-        <p:style>
-          <a:lnRef idx="1">
-            <a:schemeClr val="accent1"/>
-          </a:lnRef>
-          <a:fillRef idx="0">
-            <a:schemeClr val="accent1"/>
-          </a:fillRef>
-          <a:effectRef idx="0">
-            <a:schemeClr val="accent1"/>
-          </a:effectRef>
-          <a:fontRef idx="minor">
-            <a:schemeClr val="tx1"/>
-          </a:fontRef>
-        </p:style>
-      </p:cxnSp>
-      <p:sp>
-        <p:nvSpPr>
-          <p:cNvPr id="65" name="Rectangle 64"/>
-          <p:cNvSpPr/>
-          <p:nvPr/>
-        </p:nvSpPr>
-        <p:spPr>
-          <a:xfrm>
-            <a:off x="8720918" y="3039817"/>
-            <a:ext cx="409433" cy="285610"/>
-          </a:xfrm>
-          <a:prstGeom prst="rect">
-            <a:avLst/>
-          </a:prstGeom>
-          <a:noFill/>
-        </p:spPr>
-        <p:style>
-          <a:lnRef idx="2">
-            <a:schemeClr val="accent1">
-              <a:shade val="50000"/>
-            </a:schemeClr>
-          </a:lnRef>
-          <a:fillRef idx="1">
-            <a:schemeClr val="accent1"/>
-          </a:fillRef>
-          <a:effectRef idx="0">
-            <a:schemeClr val="accent1"/>
-          </a:effectRef>
-          <a:fontRef idx="minor">
-            <a:schemeClr val="lt1"/>
-          </a:fontRef>
-        </p:style>
-        <p:txBody>
-          <a:bodyPr rtlCol="0" anchor="ctr"/>
-          <a:lstStyle/>
-          <a:p>
-            <a:pPr algn="ctr"/>
-            <a:endParaRPr lang="fr-FR"/>
-          </a:p>
-        </p:txBody>
-      </p:sp>
-      <p:sp>
-        <p:nvSpPr>
-          <p:cNvPr id="66" name="ZoneTexte 65"/>
-          <p:cNvSpPr txBox="1"/>
-          <p:nvPr/>
-        </p:nvSpPr>
-        <p:spPr>
-          <a:xfrm>
-            <a:off x="7700655" y="1979609"/>
-            <a:ext cx="1322236" cy="646331"/>
-          </a:xfrm>
-          <a:prstGeom prst="rect">
-            <a:avLst/>
-          </a:prstGeom>
-          <a:noFill/>
-          <a:ln>
-            <a:solidFill>
-              <a:schemeClr val="accent1"/>
-            </a:solidFill>
-          </a:ln>
-        </p:spPr>
-        <p:txBody>
-          <a:bodyPr wrap="square" rtlCol="0">
-            <a:spAutoFit/>
-          </a:bodyPr>
-          <a:lstStyle/>
-          <a:p>
-            <a:r>
-              <a:rPr lang="fr-FR" sz="1200" dirty="0" smtClean="0"/>
-              <a:t>Longueur en km du tir affiché sur </a:t>
-            </a:r>
-            <a:r>
-              <a:rPr lang="fr-FR" sz="1200" dirty="0" err="1" smtClean="0"/>
-              <a:t>GlobalMapper</a:t>
-            </a:r>
-            <a:endParaRPr lang="fr-FR" sz="1200" dirty="0"/>
-          </a:p>
-        </p:txBody>
-      </p:sp>
-      <p:cxnSp>
-        <p:nvCxnSpPr>
-          <p:cNvPr id="67" name="Connecteur droit 66"/>
-          <p:cNvCxnSpPr>
-            <a:stCxn id="65" idx="0"/>
-            <a:endCxn id="66" idx="2"/>
-          </p:cNvCxnSpPr>
-          <p:nvPr/>
-        </p:nvCxnSpPr>
-        <p:spPr>
-          <a:xfrm flipH="1" flipV="1">
-            <a:off x="8361773" y="2625940"/>
-            <a:ext cx="563862" cy="413877"/>
-          </a:xfrm>
-          <a:prstGeom prst="line">
-            <a:avLst/>
-          </a:prstGeom>
-          <a:ln w="25400"/>
-        </p:spPr>
-        <p:style>
-          <a:lnRef idx="1">
-            <a:schemeClr val="accent1"/>
-          </a:lnRef>
-          <a:fillRef idx="0">
-            <a:schemeClr val="accent1"/>
-          </a:fillRef>
-          <a:effectRef idx="0">
-            <a:schemeClr val="accent1"/>
-          </a:effectRef>
-          <a:fontRef idx="minor">
-            <a:schemeClr val="tx1"/>
-          </a:fontRef>
-        </p:style>
-      </p:cxnSp>
-      <p:sp>
-        <p:nvSpPr>
-          <p:cNvPr id="71" name="Rectangle 70"/>
-          <p:cNvSpPr/>
-          <p:nvPr/>
-        </p:nvSpPr>
-        <p:spPr>
-          <a:xfrm>
-            <a:off x="2632560" y="3056458"/>
-            <a:ext cx="415178" cy="285720"/>
-          </a:xfrm>
-          <a:prstGeom prst="rect">
-            <a:avLst/>
-          </a:prstGeom>
-          <a:noFill/>
-        </p:spPr>
-        <p:style>
-          <a:lnRef idx="2">
-            <a:schemeClr val="accent1">
-              <a:shade val="50000"/>
-            </a:schemeClr>
-          </a:lnRef>
-          <a:fillRef idx="1">
-            <a:schemeClr val="accent1"/>
-          </a:fillRef>
-          <a:effectRef idx="0">
-            <a:schemeClr val="accent1"/>
-          </a:effectRef>
-          <a:fontRef idx="minor">
-            <a:schemeClr val="lt1"/>
-          </a:fontRef>
-        </p:style>
-        <p:txBody>
-          <a:bodyPr rtlCol="0" anchor="ctr"/>
-          <a:lstStyle/>
-          <a:p>
-            <a:pPr algn="ctr"/>
-            <a:endParaRPr lang="fr-FR"/>
-          </a:p>
-        </p:txBody>
-      </p:sp>
-      <p:sp>
-        <p:nvSpPr>
-          <p:cNvPr id="75" name="ZoneTexte 74"/>
-          <p:cNvSpPr txBox="1"/>
-          <p:nvPr/>
-        </p:nvSpPr>
-        <p:spPr>
-          <a:xfrm>
-            <a:off x="2423983" y="4070501"/>
-            <a:ext cx="1021962" cy="646331"/>
-          </a:xfrm>
-          <a:prstGeom prst="rect">
-            <a:avLst/>
-          </a:prstGeom>
-          <a:noFill/>
-          <a:ln>
-            <a:solidFill>
-              <a:schemeClr val="accent1"/>
-            </a:solidFill>
-          </a:ln>
-        </p:spPr>
-        <p:txBody>
-          <a:bodyPr wrap="square" rtlCol="0">
-            <a:spAutoFit/>
-          </a:bodyPr>
-          <a:lstStyle/>
-          <a:p>
-            <a:r>
-              <a:rPr lang="fr-FR" sz="1200" dirty="0" smtClean="0"/>
-              <a:t>API émettant au moment du relevé</a:t>
-            </a:r>
-            <a:endParaRPr lang="fr-FR" sz="1200" dirty="0"/>
-          </a:p>
-        </p:txBody>
-      </p:sp>
-      <p:cxnSp>
-        <p:nvCxnSpPr>
-          <p:cNvPr id="76" name="Connecteur droit 75"/>
-          <p:cNvCxnSpPr>
-            <a:stCxn id="71" idx="2"/>
-            <a:endCxn id="75" idx="0"/>
-          </p:cNvCxnSpPr>
-          <p:nvPr/>
-        </p:nvCxnSpPr>
-        <p:spPr>
-          <a:xfrm>
-            <a:off x="2840149" y="3342178"/>
-            <a:ext cx="94815" cy="728323"/>
-          </a:xfrm>
-          <a:prstGeom prst="line">
-            <a:avLst/>
-          </a:prstGeom>
-          <a:ln w="25400"/>
-        </p:spPr>
-        <p:style>
-          <a:lnRef idx="1">
-            <a:schemeClr val="accent1"/>
-          </a:lnRef>
-          <a:fillRef idx="0">
-            <a:schemeClr val="accent1"/>
-          </a:fillRef>
-          <a:effectRef idx="0">
-            <a:schemeClr val="accent1"/>
-          </a:effectRef>
-          <a:fontRef idx="minor">
-            <a:schemeClr val="tx1"/>
-          </a:fontRef>
-        </p:style>
-      </p:cxnSp>
-      <p:sp>
-        <p:nvSpPr>
-          <p:cNvPr id="77" name="Rectangle 76"/>
-          <p:cNvSpPr/>
-          <p:nvPr/>
-        </p:nvSpPr>
-        <p:spPr>
-          <a:xfrm>
-            <a:off x="5159615" y="3030243"/>
-            <a:ext cx="640381" cy="322035"/>
-          </a:xfrm>
-          <a:prstGeom prst="rect">
-            <a:avLst/>
-          </a:prstGeom>
-          <a:noFill/>
-        </p:spPr>
-        <p:style>
-          <a:lnRef idx="2">
-            <a:schemeClr val="accent1">
-              <a:shade val="50000"/>
-            </a:schemeClr>
-          </a:lnRef>
-          <a:fillRef idx="1">
-            <a:schemeClr val="accent1"/>
-          </a:fillRef>
-          <a:effectRef idx="0">
-            <a:schemeClr val="accent1"/>
-          </a:effectRef>
-          <a:fontRef idx="minor">
-            <a:schemeClr val="lt1"/>
-          </a:fontRef>
-        </p:style>
-        <p:txBody>
-          <a:bodyPr rtlCol="0" anchor="ctr"/>
-          <a:lstStyle/>
-          <a:p>
-            <a:pPr algn="ctr"/>
-            <a:endParaRPr lang="fr-FR"/>
-          </a:p>
-        </p:txBody>
-      </p:sp>
-      <p:sp>
-        <p:nvSpPr>
-          <p:cNvPr id="81" name="ZoneTexte 80"/>
-          <p:cNvSpPr txBox="1"/>
-          <p:nvPr/>
-        </p:nvSpPr>
-        <p:spPr>
-          <a:xfrm>
-            <a:off x="4630160" y="4105710"/>
-            <a:ext cx="1322236" cy="461665"/>
-          </a:xfrm>
-          <a:prstGeom prst="rect">
-            <a:avLst/>
-          </a:prstGeom>
-          <a:noFill/>
-          <a:ln>
-            <a:solidFill>
-              <a:schemeClr val="accent1"/>
-            </a:solidFill>
-          </a:ln>
-        </p:spPr>
-        <p:txBody>
-          <a:bodyPr wrap="square" rtlCol="0">
-            <a:spAutoFit/>
-          </a:bodyPr>
-          <a:lstStyle/>
-          <a:p>
-            <a:r>
-              <a:rPr lang="fr-FR" sz="1200" dirty="0" smtClean="0"/>
-              <a:t>Azimut en degré du relevé</a:t>
-            </a:r>
-            <a:endParaRPr lang="fr-FR" sz="1200" dirty="0"/>
-          </a:p>
-        </p:txBody>
-      </p:sp>
-      <p:cxnSp>
-        <p:nvCxnSpPr>
-          <p:cNvPr id="82" name="Connecteur droit 81"/>
-          <p:cNvCxnSpPr>
-            <a:stCxn id="77" idx="2"/>
-            <a:endCxn id="81" idx="0"/>
-          </p:cNvCxnSpPr>
-          <p:nvPr/>
-        </p:nvCxnSpPr>
-        <p:spPr>
-          <a:xfrm flipH="1">
-            <a:off x="5291278" y="3352278"/>
-            <a:ext cx="188528" cy="753432"/>
-          </a:xfrm>
-          <a:prstGeom prst="line">
-            <a:avLst/>
-          </a:prstGeom>
-          <a:ln w="25400"/>
-        </p:spPr>
-        <p:style>
-          <a:lnRef idx="1">
-            <a:schemeClr val="accent1"/>
-          </a:lnRef>
-          <a:fillRef idx="0">
-            <a:schemeClr val="accent1"/>
-          </a:fillRef>
-          <a:effectRef idx="0">
-            <a:schemeClr val="accent1"/>
-          </a:effectRef>
-          <a:fontRef idx="minor">
-            <a:schemeClr val="tx1"/>
-          </a:fontRef>
-        </p:style>
-      </p:cxnSp>
-      <p:sp>
-        <p:nvSpPr>
-          <p:cNvPr id="83" name="Rectangle 82"/>
-          <p:cNvSpPr/>
-          <p:nvPr/>
-        </p:nvSpPr>
-        <p:spPr>
-          <a:xfrm>
-            <a:off x="5799996" y="2994803"/>
-            <a:ext cx="1058910" cy="326109"/>
-          </a:xfrm>
-          <a:prstGeom prst="rect">
-            <a:avLst/>
-          </a:prstGeom>
-          <a:noFill/>
-        </p:spPr>
-        <p:style>
-          <a:lnRef idx="2">
-            <a:schemeClr val="accent1">
-              <a:shade val="50000"/>
-            </a:schemeClr>
-          </a:lnRef>
-          <a:fillRef idx="1">
-            <a:schemeClr val="accent1"/>
-          </a:fillRef>
-          <a:effectRef idx="0">
-            <a:schemeClr val="accent1"/>
-          </a:effectRef>
-          <a:fontRef idx="minor">
-            <a:schemeClr val="lt1"/>
-          </a:fontRef>
-        </p:style>
-        <p:txBody>
-          <a:bodyPr rtlCol="0" anchor="ctr"/>
-          <a:lstStyle/>
-          <a:p>
-            <a:pPr algn="ctr"/>
-            <a:endParaRPr lang="fr-FR"/>
-          </a:p>
-        </p:txBody>
-      </p:sp>
-      <p:sp>
-        <p:nvSpPr>
-          <p:cNvPr id="84" name="ZoneTexte 83"/>
-          <p:cNvSpPr txBox="1"/>
-          <p:nvPr/>
-        </p:nvSpPr>
-        <p:spPr>
-          <a:xfrm>
-            <a:off x="5799996" y="2150392"/>
-            <a:ext cx="1322236" cy="461665"/>
-          </a:xfrm>
-          <a:prstGeom prst="rect">
-            <a:avLst/>
-          </a:prstGeom>
-          <a:noFill/>
-          <a:ln>
-            <a:solidFill>
-              <a:schemeClr val="accent1"/>
-            </a:solidFill>
-          </a:ln>
-        </p:spPr>
-        <p:txBody>
-          <a:bodyPr wrap="square" rtlCol="0">
-            <a:spAutoFit/>
-          </a:bodyPr>
-          <a:lstStyle/>
-          <a:p>
-            <a:r>
-              <a:rPr lang="fr-FR" sz="1200" dirty="0" smtClean="0"/>
-              <a:t>Couleur du tir sur </a:t>
-            </a:r>
-            <a:r>
-              <a:rPr lang="fr-FR" sz="1200" dirty="0" err="1" smtClean="0"/>
-              <a:t>GlobalMapper</a:t>
-            </a:r>
-            <a:endParaRPr lang="fr-FR" sz="1200" dirty="0"/>
-          </a:p>
-        </p:txBody>
-      </p:sp>
-      <p:cxnSp>
-        <p:nvCxnSpPr>
-          <p:cNvPr id="85" name="Connecteur droit 84"/>
-          <p:cNvCxnSpPr>
-            <a:stCxn id="83" idx="0"/>
-            <a:endCxn id="84" idx="2"/>
-          </p:cNvCxnSpPr>
-          <p:nvPr/>
-        </p:nvCxnSpPr>
-        <p:spPr>
-          <a:xfrm flipV="1">
-            <a:off x="6329451" y="2612057"/>
-            <a:ext cx="131663" cy="382746"/>
-          </a:xfrm>
-          <a:prstGeom prst="line">
-            <a:avLst/>
-          </a:prstGeom>
-          <a:ln w="25400"/>
-        </p:spPr>
-        <p:style>
-          <a:lnRef idx="1">
-            <a:schemeClr val="accent1"/>
-          </a:lnRef>
-          <a:fillRef idx="0">
-            <a:schemeClr val="accent1"/>
-          </a:fillRef>
-          <a:effectRef idx="0">
-            <a:schemeClr val="accent1"/>
-          </a:effectRef>
-          <a:fontRef idx="minor">
-            <a:schemeClr val="tx1"/>
-          </a:fontRef>
-        </p:style>
-      </p:cxnSp>
     </p:spTree>
     <p:extLst>
       <p:ext uri="{BB962C8B-B14F-4D97-AF65-F5344CB8AC3E}">
-        <p14:creationId xmlns:p14="http://schemas.microsoft.com/office/powerpoint/2010/main" val="2415985698"/>
+        <p14:creationId xmlns:p14="http://schemas.microsoft.com/office/powerpoint/2010/main" val="1520249092"/>
       </p:ext>
     </p:extLst>
   </p:cSld>
@@ -4154,7 +2791,7 @@
       </p:grpSpPr>
       <p:sp>
         <p:nvSpPr>
-          <p:cNvPr id="2" name="ZoneTexte 1"/>
+          <p:cNvPr id="3" name="ZoneTexte 2"/>
           <p:cNvSpPr txBox="1"/>
           <p:nvPr/>
         </p:nvSpPr>
@@ -4177,192 +2814,16 @@
             <a:pPr algn="ctr"/>
             <a:r>
               <a:rPr lang="fr-FR" sz="2000" b="1" dirty="0" smtClean="0"/>
-              <a:t>Guide d’utilisation</a:t>
+              <a:t>Résultat</a:t>
             </a:r>
             <a:endParaRPr lang="fr-FR" sz="2000" b="1" dirty="0"/>
           </a:p>
         </p:txBody>
       </p:sp>
-      <p:sp>
-        <p:nvSpPr>
-          <p:cNvPr id="3" name="ZoneTexte 2"/>
-          <p:cNvSpPr txBox="1"/>
-          <p:nvPr/>
-        </p:nvSpPr>
-        <p:spPr>
-          <a:xfrm>
-            <a:off x="348017" y="1234993"/>
-            <a:ext cx="8447965" cy="4524315"/>
-          </a:xfrm>
-          <a:prstGeom prst="rect">
-            <a:avLst/>
-          </a:prstGeom>
-          <a:noFill/>
-        </p:spPr>
-        <p:txBody>
-          <a:bodyPr wrap="square" rtlCol="0">
-            <a:spAutoFit/>
-          </a:bodyPr>
-          <a:lstStyle/>
-          <a:p>
-            <a:pPr marL="285750" indent="-285750">
-              <a:buFontTx/>
-              <a:buChar char="-"/>
-            </a:pPr>
-            <a:r>
-              <a:rPr lang="fr-FR" dirty="0" smtClean="0"/>
-              <a:t>J’obtiens un azimut</a:t>
-            </a:r>
-          </a:p>
-          <a:p>
-            <a:pPr marL="285750" indent="-285750">
-              <a:buFontTx/>
-              <a:buChar char="-"/>
-            </a:pPr>
-            <a:endParaRPr lang="fr-FR" dirty="0" smtClean="0"/>
-          </a:p>
-          <a:p>
-            <a:pPr marL="285750" indent="-285750">
-              <a:buFontTx/>
-              <a:buChar char="-"/>
-            </a:pPr>
-            <a:r>
-              <a:rPr lang="fr-FR" dirty="0" smtClean="0"/>
-              <a:t>Je remplis la base avec AU MINIMUM la </a:t>
-            </a:r>
-            <a:r>
-              <a:rPr lang="fr-FR" dirty="0"/>
-              <a:t>position </a:t>
-            </a:r>
-            <a:r>
-              <a:rPr lang="fr-FR" dirty="0" smtClean="0"/>
-              <a:t>capteur et l’azimut</a:t>
-            </a:r>
-            <a:endParaRPr lang="fr-FR" dirty="0"/>
-          </a:p>
-          <a:p>
-            <a:r>
-              <a:rPr lang="fr-FR" dirty="0" smtClean="0"/>
-              <a:t>(La position capteur peut être en </a:t>
-            </a:r>
-            <a:r>
-              <a:rPr lang="fr-FR" dirty="0"/>
-              <a:t>DMS : 48° 51' 59.7151" </a:t>
-            </a:r>
-            <a:r>
-              <a:rPr lang="fr-FR" dirty="0" smtClean="0"/>
-              <a:t>N ou en décimales : 48,8665)</a:t>
-            </a:r>
-          </a:p>
-          <a:p>
-            <a:endParaRPr lang="fr-FR" dirty="0" smtClean="0"/>
-          </a:p>
-          <a:p>
-            <a:pPr marL="285750" indent="-285750">
-              <a:buFontTx/>
-              <a:buChar char="-"/>
-            </a:pPr>
-            <a:r>
-              <a:rPr lang="fr-FR" dirty="0" smtClean="0"/>
-              <a:t>Si possible, j’indique le capteur, le GDH et la fréquence du relevé et l’indicatif émettant pour avoir un tir réellement pertinent</a:t>
-            </a:r>
-          </a:p>
-          <a:p>
-            <a:pPr marL="285750" indent="-285750">
-              <a:buFontTx/>
-              <a:buChar char="-"/>
-            </a:pPr>
-            <a:endParaRPr lang="fr-FR" dirty="0" smtClean="0"/>
-          </a:p>
-          <a:p>
-            <a:pPr marL="285750" indent="-285750">
-              <a:buFontTx/>
-              <a:buChar char="-"/>
-            </a:pPr>
-            <a:r>
-              <a:rPr lang="fr-FR" dirty="0" smtClean="0"/>
-              <a:t>Je peux différencier mes tirs avec des couleurs</a:t>
-            </a:r>
-          </a:p>
-          <a:p>
-            <a:pPr marL="285750" indent="-285750">
-              <a:buFontTx/>
-              <a:buChar char="-"/>
-            </a:pPr>
-            <a:endParaRPr lang="fr-FR" dirty="0"/>
-          </a:p>
-          <a:p>
-            <a:pPr marL="285750" indent="-285750">
-              <a:buFontTx/>
-              <a:buChar char="-"/>
-            </a:pPr>
-            <a:r>
-              <a:rPr lang="fr-FR" dirty="0" smtClean="0"/>
-              <a:t>Exemple :</a:t>
-            </a:r>
-          </a:p>
-          <a:p>
-            <a:pPr marL="285750" indent="-285750">
-              <a:buFontTx/>
-              <a:buChar char="-"/>
-            </a:pPr>
-            <a:endParaRPr lang="fr-FR" dirty="0" smtClean="0"/>
-          </a:p>
-          <a:p>
-            <a:endParaRPr lang="fr-FR" dirty="0" smtClean="0"/>
-          </a:p>
-          <a:p>
-            <a:endParaRPr lang="fr-FR" dirty="0"/>
-          </a:p>
-          <a:p>
-            <a:pPr marL="285750" indent="-285750">
-              <a:buFontTx/>
-              <a:buChar char="-"/>
-            </a:pPr>
-            <a:endParaRPr lang="fr-FR" dirty="0" smtClean="0"/>
-          </a:p>
-          <a:p>
-            <a:pPr marL="285750" indent="-285750">
-              <a:buFontTx/>
-              <a:buChar char="-"/>
-            </a:pPr>
-            <a:endParaRPr lang="fr-FR" dirty="0"/>
-          </a:p>
-        </p:txBody>
-      </p:sp>
-      <p:pic>
-        <p:nvPicPr>
-          <p:cNvPr id="5" name="Image 4"/>
-          <p:cNvPicPr>
-            <a:picLocks noChangeAspect="1"/>
-          </p:cNvPicPr>
-          <p:nvPr/>
-        </p:nvPicPr>
-        <p:blipFill>
-          <a:blip r:embed="rId2"/>
-          <a:stretch>
-            <a:fillRect/>
-          </a:stretch>
-        </p:blipFill>
-        <p:spPr>
-          <a:xfrm>
-            <a:off x="1060788" y="4539535"/>
-            <a:ext cx="6381750" cy="1562100"/>
-          </a:xfrm>
-          <a:prstGeom prst="rect">
-            <a:avLst/>
-          </a:prstGeom>
-          <a:ln>
-            <a:solidFill>
-              <a:schemeClr val="tx1"/>
-            </a:solidFill>
-          </a:ln>
-        </p:spPr>
-      </p:pic>
     </p:spTree>
     <p:extLst>
       <p:ext uri="{BB962C8B-B14F-4D97-AF65-F5344CB8AC3E}">
-        <p14:creationId xmlns:p14="http://schemas.microsoft.com/office/powerpoint/2010/main" val="3002463450"/>
+        <p14:creationId xmlns:p14="http://schemas.microsoft.com/office/powerpoint/2010/main" val="1107000766"/>
       </p:ext>
     </p:extLst>
   </p:cSld>
@@ -4389,38 +2850,9 @@
           <a:chExt cx="0" cy="0"/>
         </a:xfrm>
       </p:grpSpPr>
-      <p:pic>
-        <p:nvPicPr>
-          <p:cNvPr id="2" name="Image 1"/>
-          <p:cNvPicPr>
-            <a:picLocks noChangeAspect="1"/>
-          </p:cNvPicPr>
-          <p:nvPr/>
-        </p:nvPicPr>
-        <p:blipFill>
-          <a:blip r:embed="rId2"/>
-          <a:stretch>
-            <a:fillRect/>
-          </a:stretch>
-        </p:blipFill>
-        <p:spPr>
-          <a:xfrm>
-            <a:off x="1513052" y="1268104"/>
-            <a:ext cx="6102397" cy="5044048"/>
-          </a:xfrm>
-          <a:prstGeom prst="rect">
-            <a:avLst/>
-          </a:prstGeom>
-          <a:ln>
-            <a:solidFill>
-              <a:schemeClr val="tx1"/>
-            </a:solidFill>
-          </a:ln>
-        </p:spPr>
-      </p:pic>
-      <p:sp>
-        <p:nvSpPr>
-          <p:cNvPr id="3" name="ZoneTexte 2"/>
+      <p:sp>
+        <p:nvSpPr>
+          <p:cNvPr id="2" name="ZoneTexte 1"/>
           <p:cNvSpPr txBox="1"/>
           <p:nvPr/>
         </p:nvSpPr>
@@ -4443,16 +2875,190 @@
             <a:pPr algn="ctr"/>
             <a:r>
               <a:rPr lang="fr-FR" sz="2000" b="1" dirty="0" smtClean="0"/>
-              <a:t>Résultat</a:t>
+              <a:t>Rappels</a:t>
             </a:r>
             <a:endParaRPr lang="fr-FR" sz="2000" b="1" dirty="0"/>
+          </a:p>
+        </p:txBody>
+      </p:sp>
+      <p:sp>
+        <p:nvSpPr>
+          <p:cNvPr id="3" name="ZoneTexte 2"/>
+          <p:cNvSpPr txBox="1"/>
+          <p:nvPr/>
+        </p:nvSpPr>
+        <p:spPr>
+          <a:xfrm>
+            <a:off x="491319" y="1173707"/>
+            <a:ext cx="8120418" cy="5355312"/>
+          </a:xfrm>
+          <a:prstGeom prst="rect">
+            <a:avLst/>
+          </a:prstGeom>
+          <a:noFill/>
+        </p:spPr>
+        <p:txBody>
+          <a:bodyPr wrap="square" rtlCol="0">
+            <a:spAutoFit/>
+          </a:bodyPr>
+          <a:lstStyle/>
+          <a:p>
+            <a:pPr marL="285750" indent="-285750">
+              <a:buFontTx/>
+              <a:buChar char="-"/>
+            </a:pPr>
+            <a:r>
+              <a:rPr lang="fr-FR" dirty="0" smtClean="0"/>
+              <a:t>Cet outil a pour but de lister des relevés </a:t>
+            </a:r>
+            <a:r>
+              <a:rPr lang="fr-FR" dirty="0" err="1" smtClean="0"/>
+              <a:t>gonio</a:t>
+            </a:r>
+            <a:r>
+              <a:rPr lang="fr-FR" dirty="0" smtClean="0"/>
+              <a:t> pour créer un fichier KML importable sur </a:t>
+            </a:r>
+            <a:r>
+              <a:rPr lang="fr-FR" dirty="0" err="1" smtClean="0"/>
+              <a:t>GlobalMapper</a:t>
+            </a:r>
+            <a:r>
+              <a:rPr lang="fr-FR" dirty="0" smtClean="0"/>
+              <a:t>, et ainsi avoir un visuel des relevés effectués sur telle fréquence, tel indicatif</a:t>
+            </a:r>
+          </a:p>
+          <a:p>
+            <a:pPr marL="285750" indent="-285750">
+              <a:buFontTx/>
+              <a:buChar char="-"/>
+            </a:pPr>
+            <a:endParaRPr lang="fr-FR" dirty="0" smtClean="0"/>
+          </a:p>
+          <a:p>
+            <a:pPr marL="285750" indent="-285750">
+              <a:buFontTx/>
+              <a:buChar char="-"/>
+            </a:pPr>
+            <a:r>
+              <a:rPr lang="fr-FR" dirty="0" smtClean="0"/>
+              <a:t>Pour être valide, un tir a besoin AU MINIMUM de la position Y et X (latitude et longitude) du capteur et d’un azimut</a:t>
+            </a:r>
+          </a:p>
+          <a:p>
+            <a:pPr marL="285750" indent="-285750">
+              <a:buFontTx/>
+              <a:buChar char="-"/>
+            </a:pPr>
+            <a:endParaRPr lang="fr-FR" dirty="0"/>
+          </a:p>
+          <a:p>
+            <a:pPr marL="285750" indent="-285750">
+              <a:buFontTx/>
+              <a:buChar char="-"/>
+            </a:pPr>
+            <a:r>
+              <a:rPr lang="fr-FR" dirty="0" smtClean="0"/>
+              <a:t>Les coordonnées peuvent être indiquées en degré/minutes/secondes ou en décimales, pourvu que le format ne soit pas trop exotique</a:t>
+            </a:r>
+          </a:p>
+          <a:p>
+            <a:pPr marL="285750" indent="-285750">
+              <a:buFontTx/>
+              <a:buChar char="-"/>
+            </a:pPr>
+            <a:endParaRPr lang="fr-FR" dirty="0"/>
+          </a:p>
+          <a:p>
+            <a:pPr marL="285750" indent="-285750">
+              <a:buFontTx/>
+              <a:buChar char="-"/>
+            </a:pPr>
+            <a:r>
+              <a:rPr lang="fr-FR" dirty="0" smtClean="0"/>
+              <a:t>Un convertisseur DMS &lt;-&gt; décimales est inclus dans l’outil si besoin</a:t>
+            </a:r>
+          </a:p>
+          <a:p>
+            <a:pPr marL="285750" indent="-285750">
+              <a:buFontTx/>
+              <a:buChar char="-"/>
+            </a:pPr>
+            <a:endParaRPr lang="fr-FR" dirty="0"/>
+          </a:p>
+          <a:p>
+            <a:pPr marL="285750" indent="-285750">
+              <a:buFontTx/>
+              <a:buChar char="-"/>
+            </a:pPr>
+            <a:r>
+              <a:rPr lang="fr-FR" dirty="0" smtClean="0"/>
+              <a:t>Les tirs sont nommés automatiquement de la façon suivante : « GDH / FRQ / API »</a:t>
+            </a:r>
+          </a:p>
+          <a:p>
+            <a:pPr marL="285750" indent="-285750">
+              <a:buFontTx/>
+              <a:buChar char="-"/>
+            </a:pPr>
+            <a:endParaRPr lang="fr-FR" dirty="0"/>
+          </a:p>
+          <a:p>
+            <a:pPr marL="285750" indent="-285750">
+              <a:buFontTx/>
+              <a:buChar char="-"/>
+            </a:pPr>
+            <a:r>
+              <a:rPr lang="fr-FR" dirty="0" smtClean="0"/>
+              <a:t>Les tirs peuvent avoir les couleurs suivantes </a:t>
+            </a:r>
+            <a:r>
+              <a:rPr lang="fr-FR" dirty="0"/>
+              <a:t>: bleu, rouge, jaune, vert, violet, orange, rose, gris, noir et </a:t>
+            </a:r>
+            <a:r>
+              <a:rPr lang="fr-FR" dirty="0" smtClean="0"/>
+              <a:t>blanc.</a:t>
+            </a:r>
+          </a:p>
+          <a:p>
+            <a:pPr marL="285750" indent="-285750">
+              <a:buFontTx/>
+              <a:buChar char="-"/>
+            </a:pPr>
+            <a:endParaRPr lang="fr-FR" dirty="0"/>
+          </a:p>
+          <a:p>
+            <a:pPr marL="285750" indent="-285750">
+              <a:buFontTx/>
+              <a:buChar char="-"/>
+            </a:pPr>
+            <a:r>
+              <a:rPr lang="fr-FR" dirty="0" smtClean="0"/>
+              <a:t>Il suffit de faire glisser le fichier KML dans </a:t>
+            </a:r>
+            <a:r>
+              <a:rPr lang="fr-FR" dirty="0" err="1" smtClean="0"/>
+              <a:t>GlobalMapper</a:t>
+            </a:r>
+            <a:r>
+              <a:rPr lang="fr-FR" dirty="0" smtClean="0"/>
+              <a:t> pour l’importer</a:t>
+            </a:r>
+          </a:p>
+          <a:p>
+            <a:pPr marL="285750" indent="-285750">
+              <a:buFontTx/>
+              <a:buChar char="-"/>
+            </a:pPr>
+            <a:endParaRPr lang="fr-FR" dirty="0"/>
           </a:p>
         </p:txBody>
       </p:sp>
     </p:spTree>
     <p:extLst>
       <p:ext uri="{BB962C8B-B14F-4D97-AF65-F5344CB8AC3E}">
-        <p14:creationId xmlns:p14="http://schemas.microsoft.com/office/powerpoint/2010/main" val="1107000766"/>
+        <p14:creationId xmlns:p14="http://schemas.microsoft.com/office/powerpoint/2010/main" val="2842698796"/>
       </p:ext>
     </p:extLst>
   </p:cSld>
@@ -4519,7 +3125,7 @@
         <p:spPr>
           <a:xfrm>
             <a:off x="491319" y="1173707"/>
-            <a:ext cx="8120418" cy="5355312"/>
+            <a:ext cx="8120418" cy="2585323"/>
           </a:xfrm>
           <a:prstGeom prst="rect">
             <a:avLst/>
@@ -4538,15 +3144,28 @@
             </a:pPr>
             <a:r>
               <a:rPr lang="fr-FR" dirty="0" smtClean="0"/>
-              <a:t>Cet outil a pour but de lister des relevés </a:t>
-            </a:r>
-            <a:r>
-              <a:rPr lang="fr-FR" dirty="0" err="1" smtClean="0"/>
-              <a:t>gonio</a:t>
+              <a:t>Les </a:t>
             </a:r>
             <a:r>
               <a:rPr lang="fr-FR" dirty="0" smtClean="0"/>
-              <a:t> pour créer un fichier KML importable sur </a:t>
+              <a:t>tirs sont nommés automatiquement de la façon suivante : « GDH / FRQ / API »</a:t>
+            </a:r>
+          </a:p>
+          <a:p>
+            <a:pPr marL="285750" indent="-285750">
+              <a:buFontTx/>
+              <a:buChar char="-"/>
+            </a:pPr>
+            <a:endParaRPr lang="fr-FR" dirty="0"/>
+          </a:p>
+          <a:p>
+            <a:pPr marL="285750" indent="-285750">
+              <a:buFontTx/>
+              <a:buChar char="-"/>
+            </a:pPr>
+            <a:r>
+              <a:rPr lang="fr-FR" dirty="0" smtClean="0"/>
+              <a:t>Il suffit de faire glisser le fichier KML dans </a:t>
             </a:r>
             <a:r>
               <a:rPr lang="fr-FR" dirty="0" err="1" smtClean="0"/>
@@ -4554,7 +3173,7 @@
             </a:r>
             <a:r>
               <a:rPr lang="fr-FR" dirty="0" smtClean="0"/>
-              <a:t>, et ainsi avoir un visuel des relevés effectués sur telle fréquence, tel indicatif</a:t>
+              <a:t> pour l’importer</a:t>
             </a:r>
           </a:p>
           <a:p>
@@ -4571,7 +3190,7 @@
             </a:pPr>
             <a:r>
               <a:rPr lang="fr-FR" dirty="0" smtClean="0"/>
-              <a:t>Pour être valide, un tir a besoin AU MINIMUM de la position Y et X (latitude et longitude) du capteur et d’un azimut</a:t>
+              <a:t>Les relevés et les points positions capteur ont pour attributs (métadonnées vecteur) toutes les données indiquées dans le tableau</a:t>
             </a:r>
           </a:p>
           <a:p>
@@ -4588,98 +3207,12 @@
             </a:pPr>
             <a:r>
               <a:rPr lang="fr-FR" dirty="0" smtClean="0"/>
-              <a:t>Les coordonnées peuvent être indiquées en degré/minutes/secondes ou en décimales, pourvu que le format ne soit pas trop exotique</a:t>
-            </a:r>
-          </a:p>
-          <a:p>
-            <a:pPr marL="285750" indent="-285750">
-              <a:buFontTx/>
-              <a:buChar char="-"/>
-            </a:pPr>
-            <a:endParaRPr lang="fr-FR" dirty="0"/>
-          </a:p>
-          <a:p>
-            <a:pPr marL="285750" indent="-285750">
-              <a:buFontTx/>
-              <a:buChar char="-"/>
-            </a:pPr>
-            <a:r>
-              <a:rPr lang="fr-FR" dirty="0" smtClean="0"/>
-              <a:t>Un convertisseur DMS &lt;-&gt; décimales est inclus dans l’outil si besoin</a:t>
-            </a:r>
-          </a:p>
-          <a:p>
-            <a:pPr marL="285750" indent="-285750">
-              <a:buFontTx/>
-              <a:buChar char="-"/>
-            </a:pPr>
-            <a:endParaRPr lang="fr-FR" dirty="0"/>
-          </a:p>
-          <a:p>
-            <a:pPr marL="285750" indent="-285750">
-              <a:buFontTx/>
-              <a:buChar char="-"/>
-            </a:pPr>
-            <a:r>
-              <a:rPr lang="fr-FR" dirty="0" smtClean="0"/>
-              <a:t>Les tirs sont nommés automatiquement de la façon suivante : « GDH / FRQ / API »</a:t>
-            </a:r>
-          </a:p>
-          <a:p>
-            <a:pPr marL="285750" indent="-285750">
-              <a:buFontTx/>
-              <a:buChar char="-"/>
-            </a:pPr>
-            <a:endParaRPr lang="fr-FR" dirty="0"/>
-          </a:p>
-          <a:p>
-            <a:pPr marL="285750" indent="-285750">
-              <a:buFontTx/>
-              <a:buChar char="-"/>
-            </a:pPr>
-            <a:r>
-              <a:rPr lang="fr-FR" dirty="0" smtClean="0"/>
-              <a:t>Les tirs peuvent avoir les couleurs suivantes </a:t>
-            </a:r>
-            <a:r>
-              <a:rPr lang="fr-FR" dirty="0"/>
-              <a:t>: bleu, rouge, jaune, vert, violet, orange, rose, gris, noir et </a:t>
-            </a:r>
-            <a:r>
-              <a:rPr lang="fr-FR" dirty="0" smtClean="0"/>
-              <a:t>blanc.</a:t>
-            </a:r>
-          </a:p>
-          <a:p>
-            <a:pPr marL="285750" indent="-285750">
-              <a:buFontTx/>
-              <a:buChar char="-"/>
-            </a:pPr>
-            <a:endParaRPr lang="fr-FR" dirty="0"/>
-          </a:p>
-          <a:p>
-            <a:pPr marL="285750" indent="-285750">
-              <a:buFontTx/>
-              <a:buChar char="-"/>
-            </a:pPr>
-            <a:r>
-              <a:rPr lang="fr-FR" dirty="0" smtClean="0"/>
-              <a:t>Il suffit de faire glisser le fichier KML dans </a:t>
+              <a:t>La colonne groupe est un champ libre pour éventuellement exploitation sous </a:t>
             </a:r>
             <a:r>
               <a:rPr lang="fr-FR" dirty="0" err="1" smtClean="0"/>
               <a:t>GlobalMapper</a:t>
             </a:r>
-            <a:r>
-              <a:rPr lang="fr-FR" dirty="0" smtClean="0"/>
-              <a:t> pour l’importer</a:t>
-            </a:r>
-          </a:p>
-          <a:p>
-            <a:pPr marL="285750" indent="-285750">
-              <a:buFontTx/>
-              <a:buChar char="-"/>
-            </a:pPr>
             <a:endParaRPr lang="fr-FR" dirty="0"/>
           </a:p>
         </p:txBody>
@@ -4687,13 +3220,227 @@
     </p:spTree>
     <p:extLst>
       <p:ext uri="{BB962C8B-B14F-4D97-AF65-F5344CB8AC3E}">
-        <p14:creationId xmlns:p14="http://schemas.microsoft.com/office/powerpoint/2010/main" val="2842698796"/>
+        <p14:creationId xmlns:p14="http://schemas.microsoft.com/office/powerpoint/2010/main" val="2421691216"/>
       </p:ext>
     </p:extLst>
   </p:cSld>
   <p:clrMapOvr>
     <a:masterClrMapping/>
   </p:clrMapOvr>
+</p:sld>
+</file>
+
+<file path=ppt/slides/slide9.xml><?xml version="1.0" encoding="utf-8"?>
+<p:sld xmlns:a="http://schemas.openxmlformats.org/drawingml/2006/main" xmlns:r="http://schemas.openxmlformats.org/officeDocument/2006/relationships" xmlns:p="http://schemas.openxmlformats.org/presentationml/2006/main">
+  <p:cSld>
+    <p:spTree>
+      <p:nvGrpSpPr>
+        <p:cNvPr id="1" name=""/>
+        <p:cNvGrpSpPr/>
+        <p:nvPr/>
+      </p:nvGrpSpPr>
+      <p:grpSpPr>
+        <a:xfrm>
+          <a:off x="0" y="0"/>
+          <a:ext cx="0" cy="0"/>
+          <a:chOff x="0" y="0"/>
+          <a:chExt cx="0" cy="0"/>
+        </a:xfrm>
+      </p:grpSpPr>
+      <p:sp>
+        <p:nvSpPr>
+          <p:cNvPr id="4" name="ZoneTexte 3"/>
+          <p:cNvSpPr txBox="1"/>
+          <p:nvPr/>
+        </p:nvSpPr>
+        <p:spPr>
+          <a:xfrm>
+            <a:off x="-20960" y="548680"/>
+            <a:ext cx="9144000" cy="584775"/>
+          </a:xfrm>
+          <a:prstGeom prst="rect">
+            <a:avLst/>
+          </a:prstGeom>
+          <a:noFill/>
+        </p:spPr>
+        <p:txBody>
+          <a:bodyPr wrap="square" rtlCol="0">
+            <a:spAutoFit/>
+          </a:bodyPr>
+          <a:lstStyle/>
+          <a:p>
+            <a:pPr algn="ctr"/>
+            <a:r>
+              <a:rPr lang="fr-FR" sz="3200" b="1" dirty="0" smtClean="0"/>
+              <a:t>Utilisation avanc</a:t>
+            </a:r>
+            <a:r>
+              <a:rPr lang="fr-FR" sz="3200" b="1" dirty="0" smtClean="0"/>
+              <a:t>ée</a:t>
+            </a:r>
+            <a:endParaRPr lang="fr-FR" sz="1600" b="1" dirty="0" smtClean="0"/>
+          </a:p>
+        </p:txBody>
+      </p:sp>
+      <p:sp>
+        <p:nvSpPr>
+          <p:cNvPr id="5" name="ZoneTexte 4"/>
+          <p:cNvSpPr txBox="1"/>
+          <p:nvPr/>
+        </p:nvSpPr>
+        <p:spPr>
+          <a:xfrm>
+            <a:off x="152400" y="1556792"/>
+            <a:ext cx="8839200" cy="4708981"/>
+          </a:xfrm>
+          <a:prstGeom prst="rect">
+            <a:avLst/>
+          </a:prstGeom>
+          <a:noFill/>
+        </p:spPr>
+        <p:txBody>
+          <a:bodyPr wrap="square" rtlCol="0">
+            <a:spAutoFit/>
+          </a:bodyPr>
+          <a:lstStyle/>
+          <a:p>
+            <a:r>
+              <a:rPr lang="fr-FR" sz="2000" dirty="0" smtClean="0"/>
+              <a:t>Les paramètres suivants sont accessibles dans l’onglet caché « data »</a:t>
+            </a:r>
+          </a:p>
+          <a:p>
+            <a:pPr marL="342900" indent="-342900">
+              <a:buFontTx/>
+              <a:buChar char="-"/>
+            </a:pPr>
+            <a:endParaRPr lang="fr-FR" sz="2000" dirty="0" smtClean="0"/>
+          </a:p>
+          <a:p>
+            <a:pPr marL="342900" indent="-342900">
+              <a:buFontTx/>
+              <a:buChar char="-"/>
+            </a:pPr>
+            <a:r>
+              <a:rPr lang="fr-FR" sz="2000" dirty="0" smtClean="0"/>
+              <a:t>Liste des couleurs et leur valeur en hexadécimal</a:t>
+            </a:r>
+          </a:p>
+          <a:p>
+            <a:pPr marL="342900" indent="-342900">
+              <a:buFontTx/>
+              <a:buChar char="-"/>
+            </a:pPr>
+            <a:endParaRPr lang="fr-FR" sz="2000" dirty="0" smtClean="0"/>
+          </a:p>
+          <a:p>
+            <a:pPr marL="342900" indent="-342900">
+              <a:buFontTx/>
+              <a:buChar char="-"/>
+            </a:pPr>
+            <a:r>
+              <a:rPr lang="fr-FR" sz="2000" dirty="0" smtClean="0"/>
+              <a:t>Epaisseur du trait affiché sur </a:t>
+            </a:r>
+            <a:r>
+              <a:rPr lang="fr-FR" sz="2000" dirty="0" err="1" smtClean="0"/>
+              <a:t>GlobalMapper</a:t>
+            </a:r>
+            <a:endParaRPr lang="fr-FR" sz="2000" dirty="0" smtClean="0"/>
+          </a:p>
+          <a:p>
+            <a:pPr marL="342900" indent="-342900">
+              <a:buFontTx/>
+              <a:buChar char="-"/>
+            </a:pPr>
+            <a:endParaRPr lang="fr-FR" sz="2000" dirty="0" smtClean="0"/>
+          </a:p>
+          <a:p>
+            <a:pPr marL="342900" indent="-342900">
+              <a:buFontTx/>
+              <a:buChar char="-"/>
+            </a:pPr>
+            <a:r>
+              <a:rPr lang="fr-FR" sz="2000" dirty="0" smtClean="0"/>
+              <a:t>Point capteur : si « oui », crée des entités de points pour marquer la position du capteur</a:t>
+            </a:r>
+          </a:p>
+          <a:p>
+            <a:pPr marL="342900" indent="-342900">
+              <a:buFontTx/>
+              <a:buChar char="-"/>
+            </a:pPr>
+            <a:endParaRPr lang="fr-FR" sz="2000" dirty="0" smtClean="0"/>
+          </a:p>
+          <a:p>
+            <a:pPr marL="342900" indent="-342900">
+              <a:buFontTx/>
+              <a:buChar char="-"/>
+            </a:pPr>
+            <a:r>
+              <a:rPr lang="fr-FR" sz="2000" dirty="0" smtClean="0"/>
+              <a:t>Style </a:t>
+            </a:r>
+            <a:r>
+              <a:rPr lang="fr-FR" sz="2000" dirty="0"/>
+              <a:t>point </a:t>
+            </a:r>
+            <a:r>
+              <a:rPr lang="fr-FR" sz="2000" dirty="0" smtClean="0"/>
+              <a:t>capteur : Nom du style de point, propre à </a:t>
+            </a:r>
+            <a:r>
+              <a:rPr lang="fr-FR" sz="2000" dirty="0" err="1" smtClean="0"/>
+              <a:t>GlobalMapper</a:t>
+            </a:r>
+            <a:r>
+              <a:rPr lang="fr-FR" sz="2000" dirty="0" smtClean="0"/>
+              <a:t>, utilisé pour symboliser la position capteur</a:t>
+            </a:r>
+          </a:p>
+          <a:p>
+            <a:pPr marL="342900" indent="-342900">
+              <a:buFontTx/>
+              <a:buChar char="-"/>
+            </a:pPr>
+            <a:endParaRPr lang="fr-FR" sz="2000" dirty="0" smtClean="0"/>
+          </a:p>
+          <a:p>
+            <a:pPr marL="342900" indent="-342900">
+              <a:buFontTx/>
+              <a:buChar char="-"/>
+            </a:pPr>
+            <a:r>
+              <a:rPr lang="fr-FR" sz="2000" dirty="0" smtClean="0"/>
+              <a:t>Masque nom du tir : Le nom de n’importe quelle colonne peut y être indiqué entre accolades (ex : {AZM}) </a:t>
+            </a:r>
+          </a:p>
+          <a:p>
+            <a:pPr marL="342900" indent="-342900">
+              <a:buFontTx/>
+              <a:buChar char="-"/>
+            </a:pPr>
+            <a:endParaRPr lang="fr-FR" sz="2000" dirty="0"/>
+          </a:p>
+        </p:txBody>
+      </p:sp>
+    </p:spTree>
+    <p:extLst>
+      <p:ext uri="{BB962C8B-B14F-4D97-AF65-F5344CB8AC3E}">
+        <p14:creationId xmlns:p14="http://schemas.microsoft.com/office/powerpoint/2010/main" val="3605238459"/>
+      </p:ext>
+    </p:extLst>
+  </p:cSld>
+  <p:clrMapOvr>
+    <a:masterClrMapping/>
+  </p:clrMapOvr>
+  <p:timing>
+    <p:tnLst>
+      <p:par>
+        <p:cTn id="1" dur="indefinite" restart="never" nodeType="tmRoot"/>
+      </p:par>
+    </p:tnLst>
+  </p:timing>
 </p:sld>
 </file>
 

--- a/TUTO_BDD_GONIO.pptx
+++ b/TUTO_BDD_GONIO.pptx
@@ -5,7 +5,7 @@
     <p:sldMasterId id="2147483660" r:id="rId1"/>
   </p:sldMasterIdLst>
   <p:notesMasterIdLst>
-    <p:notesMasterId r:id="rId11"/>
+    <p:notesMasterId r:id="rId10"/>
   </p:notesMasterIdLst>
   <p:sldIdLst>
     <p:sldId id="258" r:id="rId2"/>
@@ -13,10 +13,9 @@
     <p:sldId id="260" r:id="rId4"/>
     <p:sldId id="264" r:id="rId5"/>
     <p:sldId id="267" r:id="rId6"/>
-    <p:sldId id="262" r:id="rId7"/>
-    <p:sldId id="261" r:id="rId8"/>
-    <p:sldId id="266" r:id="rId9"/>
-    <p:sldId id="265" r:id="rId10"/>
+    <p:sldId id="261" r:id="rId7"/>
+    <p:sldId id="266" r:id="rId8"/>
+    <p:sldId id="265" r:id="rId9"/>
   </p:sldIdLst>
   <p:sldSz cx="9144000" cy="6858000" type="screen4x3"/>
   <p:notesSz cx="6858000" cy="9144000"/>
@@ -205,7 +204,7 @@
           <a:p>
             <a:fld id="{BDF2A71B-5DC1-4CC3-81B5-30C08E317B94}" type="datetimeFigureOut">
               <a:rPr lang="fr-FR" smtClean="0"/>
-              <a:t>15/07/2021</a:t>
+              <a:t>13/04/2022</a:t>
             </a:fld>
             <a:endParaRPr lang="fr-FR"/>
           </a:p>
@@ -715,7 +714,7 @@
             <a:fld id="{96E473C4-7BD1-414A-9C3D-208F5482DDB0}" type="slidenum">
               <a:rPr lang="fr-FR" smtClean="0"/>
               <a:pPr/>
-              <a:t>9</a:t>
+              <a:t>8</a:t>
             </a:fld>
             <a:endParaRPr lang="fr-FR"/>
           </a:p>
@@ -768,7 +767,7 @@
           <a:p>
             <a:fld id="{2AD8A078-8F0D-4B44-934F-D3DB161891DE}" type="datetimeFigureOut">
               <a:rPr lang="fr-FR" smtClean="0"/>
-              <a:t>15/07/2021</a:t>
+              <a:t>13/04/2022</a:t>
             </a:fld>
             <a:endParaRPr lang="fr-FR"/>
           </a:p>
@@ -981,7 +980,7 @@
           <a:p>
             <a:fld id="{2AD8A078-8F0D-4B44-934F-D3DB161891DE}" type="datetimeFigureOut">
               <a:rPr lang="fr-FR" smtClean="0"/>
-              <a:t>15/07/2021</a:t>
+              <a:t>13/04/2022</a:t>
             </a:fld>
             <a:endParaRPr lang="fr-FR"/>
           </a:p>
@@ -1431,11 +1430,7 @@
             <a:pPr algn="ctr"/>
             <a:r>
               <a:rPr lang="fr-FR" sz="3200" b="1" dirty="0" smtClean="0"/>
-              <a:t>Tutoriel </a:t>
-            </a:r>
-            <a:r>
-              <a:rPr lang="fr-FR" sz="3200" b="1" dirty="0" smtClean="0"/>
-              <a:t>BDD_GONIO_V9</a:t>
+              <a:t>Tutoriel BDD_GONIO_V9</a:t>
             </a:r>
             <a:endParaRPr lang="fr-FR" sz="1600" b="1" dirty="0" smtClean="0"/>
           </a:p>
@@ -1465,19 +1460,7 @@
           <a:p>
             <a:r>
               <a:rPr lang="fr-FR" sz="2000" dirty="0" smtClean="0"/>
-              <a:t>La </a:t>
-            </a:r>
-            <a:r>
-              <a:rPr lang="fr-FR" sz="2000" dirty="0" smtClean="0"/>
-              <a:t>BDD GONIO </a:t>
-            </a:r>
-            <a:r>
-              <a:rPr lang="fr-FR" sz="2000" dirty="0" smtClean="0"/>
-              <a:t>est un </a:t>
-            </a:r>
-            <a:r>
-              <a:rPr lang="fr-FR" sz="2000" dirty="0" smtClean="0"/>
-              <a:t>tableau de suivi et d’export des relevés goniométriques.</a:t>
+              <a:t>La BDD GONIO est un tableau de suivi et d’export des relevés goniométriques.</a:t>
             </a:r>
           </a:p>
           <a:p>
@@ -2596,7 +2579,6 @@
               <a:rPr lang="fr-FR" sz="2000" dirty="0" smtClean="0"/>
               <a:t>GROUPE</a:t>
             </a:r>
-            <a:endParaRPr lang="fr-FR" sz="2000" dirty="0" smtClean="0"/>
           </a:p>
         </p:txBody>
       </p:sp>
@@ -2653,7 +2635,15 @@
           <a:p>
             <a:r>
               <a:rPr lang="fr-FR" dirty="0" smtClean="0"/>
-              <a:t>Pour générer un tir, seul les colonnes X/LONG CAPT, Y/LAT CAPT et AZM sont nécessaires.</a:t>
+              <a:t>Pour générer un tir, </a:t>
+            </a:r>
+            <a:r>
+              <a:rPr lang="fr-FR" dirty="0" smtClean="0"/>
+              <a:t>seules </a:t>
+            </a:r>
+            <a:r>
+              <a:rPr lang="fr-FR" dirty="0" smtClean="0"/>
+              <a:t>les colonnes X/LONG CAPT, Y/LAT CAPT et AZM sont nécessaires.</a:t>
             </a:r>
           </a:p>
           <a:p>
@@ -2709,8 +2699,9 @@
             </a:r>
             <a:r>
               <a:rPr lang="fr-FR" dirty="0" smtClean="0"/>
-              <a:t>32,8298« </a:t>
-            </a:r>
+              <a:t>32,8298"</a:t>
+            </a:r>
+            <a:endParaRPr lang="fr-FR" dirty="0" smtClean="0"/>
           </a:p>
           <a:p>
             <a:endParaRPr lang="fr-FR" dirty="0"/>
@@ -2718,11 +2709,7 @@
           <a:p>
             <a:r>
               <a:rPr lang="fr-FR" dirty="0" smtClean="0"/>
-              <a:t>Si une coordonnée ou un azimut est vide ou illisible, la ligne </a:t>
-            </a:r>
-            <a:r>
-              <a:rPr lang="fr-FR" smtClean="0"/>
-              <a:t>sera marquée en « PROBLEME »</a:t>
+              <a:t>Si une coordonnée ou un azimut est vide ou illisible, la ligne sera marquée en « PROBLEME »</a:t>
             </a:r>
             <a:endParaRPr lang="fr-FR" dirty="0"/>
           </a:p>
@@ -2791,7 +2778,7 @@
       </p:grpSpPr>
       <p:sp>
         <p:nvSpPr>
-          <p:cNvPr id="3" name="ZoneTexte 2"/>
+          <p:cNvPr id="2" name="ZoneTexte 1"/>
           <p:cNvSpPr txBox="1"/>
           <p:nvPr/>
         </p:nvSpPr>
@@ -2814,16 +2801,190 @@
             <a:pPr algn="ctr"/>
             <a:r>
               <a:rPr lang="fr-FR" sz="2000" b="1" dirty="0" smtClean="0"/>
-              <a:t>Résultat</a:t>
+              <a:t>Rappels</a:t>
             </a:r>
             <a:endParaRPr lang="fr-FR" sz="2000" b="1" dirty="0"/>
+          </a:p>
+        </p:txBody>
+      </p:sp>
+      <p:sp>
+        <p:nvSpPr>
+          <p:cNvPr id="3" name="ZoneTexte 2"/>
+          <p:cNvSpPr txBox="1"/>
+          <p:nvPr/>
+        </p:nvSpPr>
+        <p:spPr>
+          <a:xfrm>
+            <a:off x="491319" y="1173707"/>
+            <a:ext cx="8120418" cy="5355312"/>
+          </a:xfrm>
+          <a:prstGeom prst="rect">
+            <a:avLst/>
+          </a:prstGeom>
+          <a:noFill/>
+        </p:spPr>
+        <p:txBody>
+          <a:bodyPr wrap="square" rtlCol="0">
+            <a:spAutoFit/>
+          </a:bodyPr>
+          <a:lstStyle/>
+          <a:p>
+            <a:pPr marL="285750" indent="-285750">
+              <a:buFontTx/>
+              <a:buChar char="-"/>
+            </a:pPr>
+            <a:r>
+              <a:rPr lang="fr-FR" dirty="0" smtClean="0"/>
+              <a:t>Cet outil a pour but de lister des relevés </a:t>
+            </a:r>
+            <a:r>
+              <a:rPr lang="fr-FR" dirty="0" err="1" smtClean="0"/>
+              <a:t>gonio</a:t>
+            </a:r>
+            <a:r>
+              <a:rPr lang="fr-FR" dirty="0" smtClean="0"/>
+              <a:t> pour créer un fichier KML importable sur </a:t>
+            </a:r>
+            <a:r>
+              <a:rPr lang="fr-FR" dirty="0" err="1" smtClean="0"/>
+              <a:t>GlobalMapper</a:t>
+            </a:r>
+            <a:r>
+              <a:rPr lang="fr-FR" dirty="0" smtClean="0"/>
+              <a:t>, et ainsi avoir un visuel des relevés effectués sur telle fréquence, tel indicatif</a:t>
+            </a:r>
+          </a:p>
+          <a:p>
+            <a:pPr marL="285750" indent="-285750">
+              <a:buFontTx/>
+              <a:buChar char="-"/>
+            </a:pPr>
+            <a:endParaRPr lang="fr-FR" dirty="0" smtClean="0"/>
+          </a:p>
+          <a:p>
+            <a:pPr marL="285750" indent="-285750">
+              <a:buFontTx/>
+              <a:buChar char="-"/>
+            </a:pPr>
+            <a:r>
+              <a:rPr lang="fr-FR" dirty="0" smtClean="0"/>
+              <a:t>Pour être valide, un tir a besoin AU MINIMUM de la position Y et X (latitude et longitude) du capteur et d’un azimut</a:t>
+            </a:r>
+          </a:p>
+          <a:p>
+            <a:pPr marL="285750" indent="-285750">
+              <a:buFontTx/>
+              <a:buChar char="-"/>
+            </a:pPr>
+            <a:endParaRPr lang="fr-FR" dirty="0"/>
+          </a:p>
+          <a:p>
+            <a:pPr marL="285750" indent="-285750">
+              <a:buFontTx/>
+              <a:buChar char="-"/>
+            </a:pPr>
+            <a:r>
+              <a:rPr lang="fr-FR" dirty="0" smtClean="0"/>
+              <a:t>Les coordonnées peuvent être indiquées en degré/minutes/secondes ou en décimales, pourvu que le format ne soit pas trop exotique</a:t>
+            </a:r>
+          </a:p>
+          <a:p>
+            <a:pPr marL="285750" indent="-285750">
+              <a:buFontTx/>
+              <a:buChar char="-"/>
+            </a:pPr>
+            <a:endParaRPr lang="fr-FR" dirty="0"/>
+          </a:p>
+          <a:p>
+            <a:pPr marL="285750" indent="-285750">
+              <a:buFontTx/>
+              <a:buChar char="-"/>
+            </a:pPr>
+            <a:r>
+              <a:rPr lang="fr-FR" dirty="0" smtClean="0"/>
+              <a:t>Un convertisseur DMS &lt;-&gt; décimales est inclus dans l’outil si besoin</a:t>
+            </a:r>
+          </a:p>
+          <a:p>
+            <a:pPr marL="285750" indent="-285750">
+              <a:buFontTx/>
+              <a:buChar char="-"/>
+            </a:pPr>
+            <a:endParaRPr lang="fr-FR" dirty="0"/>
+          </a:p>
+          <a:p>
+            <a:pPr marL="285750" indent="-285750">
+              <a:buFontTx/>
+              <a:buChar char="-"/>
+            </a:pPr>
+            <a:r>
+              <a:rPr lang="fr-FR" dirty="0" smtClean="0"/>
+              <a:t>Les tirs sont nommés automatiquement de la façon suivante : « GDH / FRQ / API »</a:t>
+            </a:r>
+          </a:p>
+          <a:p>
+            <a:pPr marL="285750" indent="-285750">
+              <a:buFontTx/>
+              <a:buChar char="-"/>
+            </a:pPr>
+            <a:endParaRPr lang="fr-FR" dirty="0"/>
+          </a:p>
+          <a:p>
+            <a:pPr marL="285750" indent="-285750">
+              <a:buFontTx/>
+              <a:buChar char="-"/>
+            </a:pPr>
+            <a:r>
+              <a:rPr lang="fr-FR" dirty="0" smtClean="0"/>
+              <a:t>Les tirs peuvent avoir les couleurs suivantes </a:t>
+            </a:r>
+            <a:r>
+              <a:rPr lang="fr-FR" dirty="0"/>
+              <a:t>: bleu, rouge, jaune, vert, violet, orange, rose, gris, noir et </a:t>
+            </a:r>
+            <a:r>
+              <a:rPr lang="fr-FR" dirty="0" smtClean="0"/>
+              <a:t>blanc.</a:t>
+            </a:r>
+          </a:p>
+          <a:p>
+            <a:pPr marL="285750" indent="-285750">
+              <a:buFontTx/>
+              <a:buChar char="-"/>
+            </a:pPr>
+            <a:endParaRPr lang="fr-FR" dirty="0"/>
+          </a:p>
+          <a:p>
+            <a:pPr marL="285750" indent="-285750">
+              <a:buFontTx/>
+              <a:buChar char="-"/>
+            </a:pPr>
+            <a:r>
+              <a:rPr lang="fr-FR" dirty="0" smtClean="0"/>
+              <a:t>Il suffit de faire glisser le fichier KML dans </a:t>
+            </a:r>
+            <a:r>
+              <a:rPr lang="fr-FR" dirty="0" err="1" smtClean="0"/>
+              <a:t>GlobalMapper</a:t>
+            </a:r>
+            <a:r>
+              <a:rPr lang="fr-FR" dirty="0" smtClean="0"/>
+              <a:t> pour l’importer</a:t>
+            </a:r>
+          </a:p>
+          <a:p>
+            <a:pPr marL="285750" indent="-285750">
+              <a:buFontTx/>
+              <a:buChar char="-"/>
+            </a:pPr>
+            <a:endParaRPr lang="fr-FR" dirty="0"/>
           </a:p>
         </p:txBody>
       </p:sp>
     </p:spTree>
     <p:extLst>
       <p:ext uri="{BB962C8B-B14F-4D97-AF65-F5344CB8AC3E}">
-        <p14:creationId xmlns:p14="http://schemas.microsoft.com/office/powerpoint/2010/main" val="1107000766"/>
+        <p14:creationId xmlns:p14="http://schemas.microsoft.com/office/powerpoint/2010/main" val="2842698796"/>
       </p:ext>
     </p:extLst>
   </p:cSld>
@@ -2890,7 +3051,7 @@
         <p:spPr>
           <a:xfrm>
             <a:off x="491319" y="1173707"/>
-            <a:ext cx="8120418" cy="5355312"/>
+            <a:ext cx="8120418" cy="2585323"/>
           </a:xfrm>
           <a:prstGeom prst="rect">
             <a:avLst/>
@@ -2909,15 +3070,24 @@
             </a:pPr>
             <a:r>
               <a:rPr lang="fr-FR" dirty="0" smtClean="0"/>
-              <a:t>Cet outil a pour but de lister des relevés </a:t>
-            </a:r>
-            <a:r>
-              <a:rPr lang="fr-FR" dirty="0" err="1" smtClean="0"/>
-              <a:t>gonio</a:t>
-            </a:r>
+              <a:t>Les tirs sont nommés automatiquement de la façon suivante : « GDH / FRQ / API »</a:t>
+            </a:r>
+          </a:p>
+          <a:p>
+            <a:pPr marL="285750" indent="-285750">
+              <a:buFontTx/>
+              <a:buChar char="-"/>
+            </a:pPr>
+            <a:endParaRPr lang="fr-FR" dirty="0"/>
+          </a:p>
+          <a:p>
+            <a:pPr marL="285750" indent="-285750">
+              <a:buFontTx/>
+              <a:buChar char="-"/>
+            </a:pPr>
             <a:r>
               <a:rPr lang="fr-FR" dirty="0" smtClean="0"/>
-              <a:t> pour créer un fichier KML importable sur </a:t>
+              <a:t>Il suffit de faire glisser le fichier KML dans </a:t>
             </a:r>
             <a:r>
               <a:rPr lang="fr-FR" dirty="0" err="1" smtClean="0"/>
@@ -2925,7 +3095,7 @@
             </a:r>
             <a:r>
               <a:rPr lang="fr-FR" dirty="0" smtClean="0"/>
-              <a:t>, et ainsi avoir un visuel des relevés effectués sur telle fréquence, tel indicatif</a:t>
+              <a:t> pour l’importer</a:t>
             </a:r>
           </a:p>
           <a:p>
@@ -2942,7 +3112,7 @@
             </a:pPr>
             <a:r>
               <a:rPr lang="fr-FR" dirty="0" smtClean="0"/>
-              <a:t>Pour être valide, un tir a besoin AU MINIMUM de la position Y et X (latitude et longitude) du capteur et d’un azimut</a:t>
+              <a:t>Les relevés et les points positions capteur ont pour attributs (métadonnées vecteur) toutes les données indiquées dans le tableau</a:t>
             </a:r>
           </a:p>
           <a:p>
@@ -2959,98 +3129,12 @@
             </a:pPr>
             <a:r>
               <a:rPr lang="fr-FR" dirty="0" smtClean="0"/>
-              <a:t>Les coordonnées peuvent être indiquées en degré/minutes/secondes ou en décimales, pourvu que le format ne soit pas trop exotique</a:t>
-            </a:r>
-          </a:p>
-          <a:p>
-            <a:pPr marL="285750" indent="-285750">
-              <a:buFontTx/>
-              <a:buChar char="-"/>
-            </a:pPr>
-            <a:endParaRPr lang="fr-FR" dirty="0"/>
-          </a:p>
-          <a:p>
-            <a:pPr marL="285750" indent="-285750">
-              <a:buFontTx/>
-              <a:buChar char="-"/>
-            </a:pPr>
-            <a:r>
-              <a:rPr lang="fr-FR" dirty="0" smtClean="0"/>
-              <a:t>Un convertisseur DMS &lt;-&gt; décimales est inclus dans l’outil si besoin</a:t>
-            </a:r>
-          </a:p>
-          <a:p>
-            <a:pPr marL="285750" indent="-285750">
-              <a:buFontTx/>
-              <a:buChar char="-"/>
-            </a:pPr>
-            <a:endParaRPr lang="fr-FR" dirty="0"/>
-          </a:p>
-          <a:p>
-            <a:pPr marL="285750" indent="-285750">
-              <a:buFontTx/>
-              <a:buChar char="-"/>
-            </a:pPr>
-            <a:r>
-              <a:rPr lang="fr-FR" dirty="0" smtClean="0"/>
-              <a:t>Les tirs sont nommés automatiquement de la façon suivante : « GDH / FRQ / API »</a:t>
-            </a:r>
-          </a:p>
-          <a:p>
-            <a:pPr marL="285750" indent="-285750">
-              <a:buFontTx/>
-              <a:buChar char="-"/>
-            </a:pPr>
-            <a:endParaRPr lang="fr-FR" dirty="0"/>
-          </a:p>
-          <a:p>
-            <a:pPr marL="285750" indent="-285750">
-              <a:buFontTx/>
-              <a:buChar char="-"/>
-            </a:pPr>
-            <a:r>
-              <a:rPr lang="fr-FR" dirty="0" smtClean="0"/>
-              <a:t>Les tirs peuvent avoir les couleurs suivantes </a:t>
-            </a:r>
-            <a:r>
-              <a:rPr lang="fr-FR" dirty="0"/>
-              <a:t>: bleu, rouge, jaune, vert, violet, orange, rose, gris, noir et </a:t>
-            </a:r>
-            <a:r>
-              <a:rPr lang="fr-FR" dirty="0" smtClean="0"/>
-              <a:t>blanc.</a:t>
-            </a:r>
-          </a:p>
-          <a:p>
-            <a:pPr marL="285750" indent="-285750">
-              <a:buFontTx/>
-              <a:buChar char="-"/>
-            </a:pPr>
-            <a:endParaRPr lang="fr-FR" dirty="0"/>
-          </a:p>
-          <a:p>
-            <a:pPr marL="285750" indent="-285750">
-              <a:buFontTx/>
-              <a:buChar char="-"/>
-            </a:pPr>
-            <a:r>
-              <a:rPr lang="fr-FR" dirty="0" smtClean="0"/>
-              <a:t>Il suffit de faire glisser le fichier KML dans </a:t>
+              <a:t>La colonne groupe est un champ libre pour éventuellement exploitation sous </a:t>
             </a:r>
             <a:r>
               <a:rPr lang="fr-FR" dirty="0" err="1" smtClean="0"/>
               <a:t>GlobalMapper</a:t>
             </a:r>
-            <a:r>
-              <a:rPr lang="fr-FR" dirty="0" smtClean="0"/>
-              <a:t> pour l’importer</a:t>
-            </a:r>
-          </a:p>
-          <a:p>
-            <a:pPr marL="285750" indent="-285750">
-              <a:buFontTx/>
-              <a:buChar char="-"/>
-            </a:pPr>
             <a:endParaRPr lang="fr-FR" dirty="0"/>
           </a:p>
         </p:txBody>
@@ -3058,7 +3142,7 @@
     </p:spTree>
     <p:extLst>
       <p:ext uri="{BB962C8B-B14F-4D97-AF65-F5344CB8AC3E}">
-        <p14:creationId xmlns:p14="http://schemas.microsoft.com/office/powerpoint/2010/main" val="2842698796"/>
+        <p14:creationId xmlns:p14="http://schemas.microsoft.com/office/powerpoint/2010/main" val="2421691216"/>
       </p:ext>
     </p:extLst>
   </p:cSld>
@@ -3087,14 +3171,14 @@
       </p:grpSpPr>
       <p:sp>
         <p:nvSpPr>
-          <p:cNvPr id="2" name="ZoneTexte 1"/>
+          <p:cNvPr id="4" name="ZoneTexte 3"/>
           <p:cNvSpPr txBox="1"/>
           <p:nvPr/>
         </p:nvSpPr>
         <p:spPr>
           <a:xfrm>
-            <a:off x="0" y="188640"/>
-            <a:ext cx="9144000" cy="400110"/>
+            <a:off x="-20960" y="548680"/>
+            <a:ext cx="9144000" cy="584775"/>
           </a:xfrm>
           <a:prstGeom prst="rect">
             <a:avLst/>
@@ -3109,174 +3193,8 @@
           <a:p>
             <a:pPr algn="ctr"/>
             <a:r>
-              <a:rPr lang="fr-FR" sz="2000" b="1" dirty="0" smtClean="0"/>
-              <a:t>Rappels</a:t>
-            </a:r>
-            <a:endParaRPr lang="fr-FR" sz="2000" b="1" dirty="0"/>
-          </a:p>
-        </p:txBody>
-      </p:sp>
-      <p:sp>
-        <p:nvSpPr>
-          <p:cNvPr id="3" name="ZoneTexte 2"/>
-          <p:cNvSpPr txBox="1"/>
-          <p:nvPr/>
-        </p:nvSpPr>
-        <p:spPr>
-          <a:xfrm>
-            <a:off x="491319" y="1173707"/>
-            <a:ext cx="8120418" cy="2585323"/>
-          </a:xfrm>
-          <a:prstGeom prst="rect">
-            <a:avLst/>
-          </a:prstGeom>
-          <a:noFill/>
-        </p:spPr>
-        <p:txBody>
-          <a:bodyPr wrap="square" rtlCol="0">
-            <a:spAutoFit/>
-          </a:bodyPr>
-          <a:lstStyle/>
-          <a:p>
-            <a:pPr marL="285750" indent="-285750">
-              <a:buFontTx/>
-              <a:buChar char="-"/>
-            </a:pPr>
-            <a:r>
-              <a:rPr lang="fr-FR" dirty="0" smtClean="0"/>
-              <a:t>Les </a:t>
-            </a:r>
-            <a:r>
-              <a:rPr lang="fr-FR" dirty="0" smtClean="0"/>
-              <a:t>tirs sont nommés automatiquement de la façon suivante : « GDH / FRQ / API »</a:t>
-            </a:r>
-          </a:p>
-          <a:p>
-            <a:pPr marL="285750" indent="-285750">
-              <a:buFontTx/>
-              <a:buChar char="-"/>
-            </a:pPr>
-            <a:endParaRPr lang="fr-FR" dirty="0"/>
-          </a:p>
-          <a:p>
-            <a:pPr marL="285750" indent="-285750">
-              <a:buFontTx/>
-              <a:buChar char="-"/>
-            </a:pPr>
-            <a:r>
-              <a:rPr lang="fr-FR" dirty="0" smtClean="0"/>
-              <a:t>Il suffit de faire glisser le fichier KML dans </a:t>
-            </a:r>
-            <a:r>
-              <a:rPr lang="fr-FR" dirty="0" err="1" smtClean="0"/>
-              <a:t>GlobalMapper</a:t>
-            </a:r>
-            <a:r>
-              <a:rPr lang="fr-FR" dirty="0" smtClean="0"/>
-              <a:t> pour l’importer</a:t>
-            </a:r>
-          </a:p>
-          <a:p>
-            <a:pPr marL="285750" indent="-285750">
-              <a:buFontTx/>
-              <a:buChar char="-"/>
-            </a:pPr>
-            <a:endParaRPr lang="fr-FR" dirty="0" smtClean="0"/>
-          </a:p>
-          <a:p>
-            <a:pPr marL="285750" indent="-285750">
-              <a:buFontTx/>
-              <a:buChar char="-"/>
-            </a:pPr>
-            <a:r>
-              <a:rPr lang="fr-FR" dirty="0" smtClean="0"/>
-              <a:t>Les relevés et les points positions capteur ont pour attributs (métadonnées vecteur) toutes les données indiquées dans le tableau</a:t>
-            </a:r>
-          </a:p>
-          <a:p>
-            <a:pPr marL="285750" indent="-285750">
-              <a:buFontTx/>
-              <a:buChar char="-"/>
-            </a:pPr>
-            <a:endParaRPr lang="fr-FR" dirty="0"/>
-          </a:p>
-          <a:p>
-            <a:pPr marL="285750" indent="-285750">
-              <a:buFontTx/>
-              <a:buChar char="-"/>
-            </a:pPr>
-            <a:r>
-              <a:rPr lang="fr-FR" dirty="0" smtClean="0"/>
-              <a:t>La colonne groupe est un champ libre pour éventuellement exploitation sous </a:t>
-            </a:r>
-            <a:r>
-              <a:rPr lang="fr-FR" dirty="0" err="1" smtClean="0"/>
-              <a:t>GlobalMapper</a:t>
-            </a:r>
-            <a:endParaRPr lang="fr-FR" dirty="0"/>
-          </a:p>
-        </p:txBody>
-      </p:sp>
-    </p:spTree>
-    <p:extLst>
-      <p:ext uri="{BB962C8B-B14F-4D97-AF65-F5344CB8AC3E}">
-        <p14:creationId xmlns:p14="http://schemas.microsoft.com/office/powerpoint/2010/main" val="2421691216"/>
-      </p:ext>
-    </p:extLst>
-  </p:cSld>
-  <p:clrMapOvr>
-    <a:masterClrMapping/>
-  </p:clrMapOvr>
-</p:sld>
-</file>
-
-<file path=ppt/slides/slide9.xml><?xml version="1.0" encoding="utf-8"?>
-<p:sld xmlns:a="http://schemas.openxmlformats.org/drawingml/2006/main" xmlns:r="http://schemas.openxmlformats.org/officeDocument/2006/relationships" xmlns:p="http://schemas.openxmlformats.org/presentationml/2006/main">
-  <p:cSld>
-    <p:spTree>
-      <p:nvGrpSpPr>
-        <p:cNvPr id="1" name=""/>
-        <p:cNvGrpSpPr/>
-        <p:nvPr/>
-      </p:nvGrpSpPr>
-      <p:grpSpPr>
-        <a:xfrm>
-          <a:off x="0" y="0"/>
-          <a:ext cx="0" cy="0"/>
-          <a:chOff x="0" y="0"/>
-          <a:chExt cx="0" cy="0"/>
-        </a:xfrm>
-      </p:grpSpPr>
-      <p:sp>
-        <p:nvSpPr>
-          <p:cNvPr id="4" name="ZoneTexte 3"/>
-          <p:cNvSpPr txBox="1"/>
-          <p:nvPr/>
-        </p:nvSpPr>
-        <p:spPr>
-          <a:xfrm>
-            <a:off x="-20960" y="548680"/>
-            <a:ext cx="9144000" cy="584775"/>
-          </a:xfrm>
-          <a:prstGeom prst="rect">
-            <a:avLst/>
-          </a:prstGeom>
-          <a:noFill/>
-        </p:spPr>
-        <p:txBody>
-          <a:bodyPr wrap="square" rtlCol="0">
-            <a:spAutoFit/>
-          </a:bodyPr>
-          <a:lstStyle/>
-          <a:p>
-            <a:pPr algn="ctr"/>
-            <a:r>
               <a:rPr lang="fr-FR" sz="3200" b="1" dirty="0" smtClean="0"/>
-              <a:t>Utilisation avanc</a:t>
-            </a:r>
-            <a:r>
-              <a:rPr lang="fr-FR" sz="3200" b="1" dirty="0" smtClean="0"/>
-              <a:t>ée</a:t>
+              <a:t>Utilisation avancée</a:t>
             </a:r>
             <a:endParaRPr lang="fr-FR" sz="1600" b="1" dirty="0" smtClean="0"/>
           </a:p>

--- a/TUTO_BDD_GONIO.pptx
+++ b/TUTO_BDD_GONIO.pptx
@@ -5,7 +5,7 @@
     <p:sldMasterId id="2147483660" r:id="rId1"/>
   </p:sldMasterIdLst>
   <p:notesMasterIdLst>
-    <p:notesMasterId r:id="rId10"/>
+    <p:notesMasterId r:id="rId7"/>
   </p:notesMasterIdLst>
   <p:sldIdLst>
     <p:sldId id="258" r:id="rId2"/>
@@ -13,9 +13,6 @@
     <p:sldId id="260" r:id="rId4"/>
     <p:sldId id="264" r:id="rId5"/>
     <p:sldId id="267" r:id="rId6"/>
-    <p:sldId id="261" r:id="rId7"/>
-    <p:sldId id="266" r:id="rId8"/>
-    <p:sldId id="265" r:id="rId9"/>
   </p:sldIdLst>
   <p:sldSz cx="9144000" cy="6858000" type="screen4x3"/>
   <p:notesSz cx="6858000" cy="9144000"/>
@@ -204,7 +201,7 @@
           <a:p>
             <a:fld id="{BDF2A71B-5DC1-4CC3-81B5-30C08E317B94}" type="datetimeFigureOut">
               <a:rPr lang="fr-FR" smtClean="0"/>
-              <a:t>13/04/2022</a:t>
+              <a:t>07/09/2023</a:t>
             </a:fld>
             <a:endParaRPr lang="fr-FR"/>
           </a:p>
@@ -646,93 +643,6 @@
 </p:notes>
 </file>
 
-<file path=ppt/notesSlides/notesSlide3.xml><?xml version="1.0" encoding="utf-8"?>
-<p:notes xmlns:a="http://schemas.openxmlformats.org/drawingml/2006/main" xmlns:r="http://schemas.openxmlformats.org/officeDocument/2006/relationships" xmlns:p="http://schemas.openxmlformats.org/presentationml/2006/main">
-  <p:cSld>
-    <p:spTree>
-      <p:nvGrpSpPr>
-        <p:cNvPr id="1" name=""/>
-        <p:cNvGrpSpPr/>
-        <p:nvPr/>
-      </p:nvGrpSpPr>
-      <p:grpSpPr>
-        <a:xfrm>
-          <a:off x="0" y="0"/>
-          <a:ext cx="0" cy="0"/>
-          <a:chOff x="0" y="0"/>
-          <a:chExt cx="0" cy="0"/>
-        </a:xfrm>
-      </p:grpSpPr>
-      <p:sp>
-        <p:nvSpPr>
-          <p:cNvPr id="2" name="Espace réservé de l'image des diapositives 1"/>
-          <p:cNvSpPr>
-            <a:spLocks noGrp="1" noRot="1" noChangeAspect="1"/>
-          </p:cNvSpPr>
-          <p:nvPr>
-            <p:ph type="sldImg"/>
-          </p:nvPr>
-        </p:nvSpPr>
-        <p:spPr/>
-      </p:sp>
-      <p:sp>
-        <p:nvSpPr>
-          <p:cNvPr id="3" name="Espace réservé des commentaires 2"/>
-          <p:cNvSpPr>
-            <a:spLocks noGrp="1"/>
-          </p:cNvSpPr>
-          <p:nvPr>
-            <p:ph type="body" idx="1"/>
-          </p:nvPr>
-        </p:nvSpPr>
-        <p:spPr/>
-        <p:txBody>
-          <a:bodyPr>
-            <a:normAutofit/>
-          </a:bodyPr>
-          <a:lstStyle/>
-          <a:p>
-            <a:endParaRPr lang="fr-FR"/>
-          </a:p>
-        </p:txBody>
-      </p:sp>
-      <p:sp>
-        <p:nvSpPr>
-          <p:cNvPr id="4" name="Espace réservé du numéro de diapositive 3"/>
-          <p:cNvSpPr>
-            <a:spLocks noGrp="1"/>
-          </p:cNvSpPr>
-          <p:nvPr>
-            <p:ph type="sldNum" sz="quarter" idx="10"/>
-          </p:nvPr>
-        </p:nvSpPr>
-        <p:spPr/>
-        <p:txBody>
-          <a:bodyPr/>
-          <a:lstStyle/>
-          <a:p>
-            <a:fld id="{96E473C4-7BD1-414A-9C3D-208F5482DDB0}" type="slidenum">
-              <a:rPr lang="fr-FR" smtClean="0"/>
-              <a:pPr/>
-              <a:t>8</a:t>
-            </a:fld>
-            <a:endParaRPr lang="fr-FR"/>
-          </a:p>
-        </p:txBody>
-      </p:sp>
-    </p:spTree>
-    <p:extLst>
-      <p:ext uri="{BB962C8B-B14F-4D97-AF65-F5344CB8AC3E}">
-        <p14:creationId xmlns:p14="http://schemas.microsoft.com/office/powerpoint/2010/main" val="1670621978"/>
-      </p:ext>
-    </p:extLst>
-  </p:cSld>
-  <p:clrMapOvr>
-    <a:masterClrMapping/>
-  </p:clrMapOvr>
-</p:notes>
-</file>
-
 <file path=ppt/slideLayouts/slideLayout1.xml><?xml version="1.0" encoding="utf-8"?>
 <p:sldLayout xmlns:a="http://schemas.openxmlformats.org/drawingml/2006/main" xmlns:r="http://schemas.openxmlformats.org/officeDocument/2006/relationships" xmlns:p="http://schemas.openxmlformats.org/presentationml/2006/main" type="blank" preserve="1">
   <p:cSld name="Vide">
@@ -767,7 +677,7 @@
           <a:p>
             <a:fld id="{2AD8A078-8F0D-4B44-934F-D3DB161891DE}" type="datetimeFigureOut">
               <a:rPr lang="fr-FR" smtClean="0"/>
-              <a:t>13/04/2022</a:t>
+              <a:t>07/09/2023</a:t>
             </a:fld>
             <a:endParaRPr lang="fr-FR"/>
           </a:p>
@@ -980,7 +890,7 @@
           <a:p>
             <a:fld id="{2AD8A078-8F0D-4B44-934F-D3DB161891DE}" type="datetimeFigureOut">
               <a:rPr lang="fr-FR" smtClean="0"/>
-              <a:t>13/04/2022</a:t>
+              <a:t>07/09/2023</a:t>
             </a:fld>
             <a:endParaRPr lang="fr-FR"/>
           </a:p>
@@ -1445,7 +1355,7 @@
         <p:spPr>
           <a:xfrm>
             <a:off x="152400" y="1556792"/>
-            <a:ext cx="8839200" cy="4708981"/>
+            <a:ext cx="8839200" cy="1631216"/>
           </a:xfrm>
           <a:prstGeom prst="rect">
             <a:avLst/>
@@ -1462,96 +1372,6 @@
               <a:rPr lang="fr-FR" sz="2000" dirty="0" smtClean="0"/>
               <a:t>La BDD GONIO est un tableau de suivi et d’export des relevés goniométriques.</a:t>
             </a:r>
-          </a:p>
-          <a:p>
-            <a:endParaRPr lang="fr-FR" sz="2000" dirty="0" smtClean="0"/>
-          </a:p>
-          <a:p>
-            <a:r>
-              <a:rPr lang="fr-FR" sz="2000" dirty="0" smtClean="0"/>
-              <a:t>Il s’agit d’un fichier Excel recensant les relevés dans un tableau avec :</a:t>
-            </a:r>
-          </a:p>
-          <a:p>
-            <a:pPr marL="342900" indent="-342900">
-              <a:buFontTx/>
-              <a:buChar char="-"/>
-            </a:pPr>
-            <a:r>
-              <a:rPr lang="fr-FR" sz="2000" dirty="0" smtClean="0"/>
-              <a:t>Heure du relevé</a:t>
-            </a:r>
-          </a:p>
-          <a:p>
-            <a:pPr marL="342900" indent="-342900">
-              <a:buFontTx/>
-              <a:buChar char="-"/>
-            </a:pPr>
-            <a:r>
-              <a:rPr lang="fr-FR" sz="2000" dirty="0" smtClean="0"/>
-              <a:t>Capteur</a:t>
-            </a:r>
-          </a:p>
-          <a:p>
-            <a:pPr marL="342900" indent="-342900">
-              <a:buFontTx/>
-              <a:buChar char="-"/>
-            </a:pPr>
-            <a:r>
-              <a:rPr lang="fr-FR" sz="2000" dirty="0" smtClean="0"/>
-              <a:t>Fréquence</a:t>
-            </a:r>
-          </a:p>
-          <a:p>
-            <a:pPr marL="342900" indent="-342900">
-              <a:buFontTx/>
-              <a:buChar char="-"/>
-            </a:pPr>
-            <a:r>
-              <a:rPr lang="fr-FR" sz="2000" dirty="0" smtClean="0"/>
-              <a:t>Indicatif</a:t>
-            </a:r>
-          </a:p>
-          <a:p>
-            <a:pPr marL="342900" indent="-342900">
-              <a:buFontTx/>
-              <a:buChar char="-"/>
-            </a:pPr>
-            <a:r>
-              <a:rPr lang="fr-FR" sz="2000" dirty="0" smtClean="0"/>
-              <a:t>Coordonnées capteur lors du relevé</a:t>
-            </a:r>
-          </a:p>
-          <a:p>
-            <a:pPr marL="342900" indent="-342900">
-              <a:buFontTx/>
-              <a:buChar char="-"/>
-            </a:pPr>
-            <a:r>
-              <a:rPr lang="fr-FR" sz="2000" dirty="0" smtClean="0"/>
-              <a:t>Azimut du relevé</a:t>
-            </a:r>
-          </a:p>
-          <a:p>
-            <a:pPr marL="342900" indent="-342900">
-              <a:buFontTx/>
-              <a:buChar char="-"/>
-            </a:pPr>
-            <a:r>
-              <a:rPr lang="fr-FR" sz="2000" dirty="0" smtClean="0"/>
-              <a:t>Couleur</a:t>
-            </a:r>
-          </a:p>
-          <a:p>
-            <a:pPr marL="342900" indent="-342900">
-              <a:buFontTx/>
-              <a:buChar char="-"/>
-            </a:pPr>
-            <a:r>
-              <a:rPr lang="fr-FR" sz="2000" dirty="0" smtClean="0"/>
-              <a:t>Groupe</a:t>
-            </a:r>
-            <a:endParaRPr lang="fr-FR" sz="2000" dirty="0"/>
           </a:p>
           <a:p>
             <a:endParaRPr lang="fr-FR" sz="2000" dirty="0" smtClean="0"/>
@@ -2537,7 +2357,15 @@
             </a:pPr>
             <a:r>
               <a:rPr lang="fr-FR" sz="2000" dirty="0" smtClean="0"/>
-              <a:t>X/LONG CAPT : coordonnée capteur</a:t>
+              <a:t>X/LONG CAPT : </a:t>
+            </a:r>
+            <a:r>
+              <a:rPr lang="fr-FR" sz="2000" dirty="0" smtClean="0"/>
+              <a:t>coordonnée longitude du </a:t>
+            </a:r>
+            <a:r>
+              <a:rPr lang="fr-FR" sz="2000" dirty="0" smtClean="0"/>
+              <a:t>capteur</a:t>
             </a:r>
           </a:p>
           <a:p>
@@ -2547,8 +2375,17 @@
             </a:pPr>
             <a:r>
               <a:rPr lang="fr-FR" sz="2000" dirty="0" smtClean="0"/>
-              <a:t>Y/LAT CAPT : c</a:t>
-            </a:r>
+              <a:t>Y/LAT CAPT : </a:t>
+            </a:r>
+            <a:r>
+              <a:rPr lang="fr-FR" sz="2000" dirty="0"/>
+              <a:t>coordonnée </a:t>
+            </a:r>
+            <a:r>
+              <a:rPr lang="fr-FR" sz="2000" dirty="0" smtClean="0"/>
+              <a:t>latitude du capteur</a:t>
+            </a:r>
+            <a:endParaRPr lang="fr-FR" sz="2000" dirty="0" smtClean="0"/>
           </a:p>
           <a:p>
             <a:pPr marL="342900" indent="-342900">
@@ -2557,8 +2394,9 @@
             </a:pPr>
             <a:r>
               <a:rPr lang="fr-FR" sz="2000" dirty="0" smtClean="0"/>
-              <a:t>AZM</a:t>
-            </a:r>
+              <a:t>AZM : azimut du relevé</a:t>
+            </a:r>
+            <a:endParaRPr lang="fr-FR" sz="2000" dirty="0" smtClean="0"/>
           </a:p>
           <a:p>
             <a:pPr marL="342900" indent="-342900">
@@ -2567,8 +2405,9 @@
             </a:pPr>
             <a:r>
               <a:rPr lang="fr-FR" sz="2000" dirty="0" smtClean="0"/>
-              <a:t>COULEUR</a:t>
-            </a:r>
+              <a:t>COULEUR : couleur du relevé</a:t>
+            </a:r>
+            <a:endParaRPr lang="fr-FR" sz="2000" dirty="0" smtClean="0"/>
           </a:p>
           <a:p>
             <a:pPr marL="342900" indent="-342900">
@@ -2577,8 +2416,9 @@
             </a:pPr>
             <a:r>
               <a:rPr lang="fr-FR" sz="2000" dirty="0" smtClean="0"/>
-              <a:t>GROUPE</a:t>
-            </a:r>
+              <a:t>GROUPE : </a:t>
+            </a:r>
+            <a:endParaRPr lang="fr-FR" sz="2000" dirty="0" smtClean="0"/>
           </a:p>
         </p:txBody>
       </p:sp>
@@ -2621,7 +2461,7 @@
         <p:spPr>
           <a:xfrm>
             <a:off x="400050" y="1071086"/>
-            <a:ext cx="8343900" cy="4524315"/>
+            <a:ext cx="8343900" cy="2308324"/>
           </a:xfrm>
           <a:prstGeom prst="rect">
             <a:avLst/>
@@ -2635,24 +2475,20 @@
           <a:p>
             <a:r>
               <a:rPr lang="fr-FR" dirty="0" smtClean="0"/>
-              <a:t>Pour générer un tir, </a:t>
+              <a:t>Pour générer un tir, seules les </a:t>
             </a:r>
             <a:r>
               <a:rPr lang="fr-FR" dirty="0" smtClean="0"/>
-              <a:t>seules </a:t>
+              <a:t>colonnes coordonnées et azimut sont nécessaires. Les autres colonnes alimentent </a:t>
             </a:r>
             <a:r>
               <a:rPr lang="fr-FR" dirty="0" smtClean="0"/>
-              <a:t>les colonnes X/LONG CAPT, Y/LAT CAPT et AZM sont nécessaires.</a:t>
-            </a:r>
-          </a:p>
-          <a:p>
+              <a:t>les métadonnées </a:t>
+            </a:r>
             <a:r>
               <a:rPr lang="fr-FR" dirty="0" smtClean="0"/>
-              <a:t>Rappel : chaque information indiquée dans le tableau alimente les métadonnées du relevé</a:t>
-            </a:r>
-          </a:p>
-          <a:p>
+              <a:t>de chaque relevé.</a:t>
+            </a:r>
             <a:endParaRPr lang="fr-FR" dirty="0" smtClean="0"/>
           </a:p>
           <a:p>
@@ -2661,7 +2497,25 @@
           <a:p>
             <a:r>
               <a:rPr lang="fr-FR" dirty="0" smtClean="0"/>
-              <a:t>Exemples de coordonnées fonctionnelles</a:t>
+              <a:t>Si </a:t>
+            </a:r>
+            <a:r>
+              <a:rPr lang="fr-FR" dirty="0" smtClean="0"/>
+              <a:t>en face d’une ligne apparaît «</a:t>
+            </a:r>
+            <a:r>
+              <a:rPr lang="fr-FR" dirty="0" smtClean="0"/>
+              <a:t> PROBLEME </a:t>
+            </a:r>
+            <a:r>
+              <a:rPr lang="fr-FR" dirty="0" smtClean="0"/>
+              <a:t>», vérifier le format des coordonnées et de l’azimut.</a:t>
+            </a:r>
+          </a:p>
+          <a:p>
+            <a:r>
+              <a:rPr lang="fr-FR" dirty="0" smtClean="0"/>
+              <a:t>Les lignes marquées « PROBLEME » ne sont pas générées, les autres le sont.</a:t>
             </a:r>
           </a:p>
           <a:p>
@@ -2670,46 +2524,7 @@
           <a:p>
             <a:r>
               <a:rPr lang="fr-FR" dirty="0" smtClean="0"/>
-              <a:t>48,86</a:t>
-            </a:r>
-            <a:endParaRPr lang="fr-FR" dirty="0"/>
-          </a:p>
-          <a:p>
-            <a:r>
-              <a:rPr lang="fr-FR" dirty="0"/>
-              <a:t>48.86°</a:t>
-            </a:r>
-          </a:p>
-          <a:p>
-            <a:r>
-              <a:rPr lang="fr-FR" dirty="0"/>
-              <a:t>48° 47' 32,8298" N</a:t>
-            </a:r>
-          </a:p>
-          <a:p>
-            <a:r>
-              <a:rPr lang="fr-FR" dirty="0"/>
-              <a:t>48 47 32 N</a:t>
-            </a:r>
-          </a:p>
-          <a:p>
-            <a:r>
-              <a:rPr lang="fr-FR" dirty="0"/>
-              <a:t>S 48° 47' </a:t>
-            </a:r>
-            <a:r>
-              <a:rPr lang="fr-FR" dirty="0" smtClean="0"/>
-              <a:t>32,8298"</a:t>
-            </a:r>
-            <a:endParaRPr lang="fr-FR" dirty="0" smtClean="0"/>
-          </a:p>
-          <a:p>
-            <a:endParaRPr lang="fr-FR" dirty="0"/>
-          </a:p>
-          <a:p>
-            <a:r>
-              <a:rPr lang="fr-FR" dirty="0" smtClean="0"/>
-              <a:t>Si une coordonnée ou un azimut est vide ou illisible, la ligne sera marquée en « PROBLEME »</a:t>
+              <a:t>Faire glisser le fichier KML généré dans Global Mapper pour l’afficher</a:t>
             </a:r>
             <a:endParaRPr lang="fr-FR" dirty="0"/>
           </a:p>
@@ -2756,609 +2571,6 @@
   <p:clrMapOvr>
     <a:masterClrMapping/>
   </p:clrMapOvr>
-</p:sld>
-</file>
-
-<file path=ppt/slides/slide6.xml><?xml version="1.0" encoding="utf-8"?>
-<p:sld xmlns:a="http://schemas.openxmlformats.org/drawingml/2006/main" xmlns:r="http://schemas.openxmlformats.org/officeDocument/2006/relationships" xmlns:p="http://schemas.openxmlformats.org/presentationml/2006/main">
-  <p:cSld>
-    <p:spTree>
-      <p:nvGrpSpPr>
-        <p:cNvPr id="1" name=""/>
-        <p:cNvGrpSpPr/>
-        <p:nvPr/>
-      </p:nvGrpSpPr>
-      <p:grpSpPr>
-        <a:xfrm>
-          <a:off x="0" y="0"/>
-          <a:ext cx="0" cy="0"/>
-          <a:chOff x="0" y="0"/>
-          <a:chExt cx="0" cy="0"/>
-        </a:xfrm>
-      </p:grpSpPr>
-      <p:sp>
-        <p:nvSpPr>
-          <p:cNvPr id="2" name="ZoneTexte 1"/>
-          <p:cNvSpPr txBox="1"/>
-          <p:nvPr/>
-        </p:nvSpPr>
-        <p:spPr>
-          <a:xfrm>
-            <a:off x="0" y="188640"/>
-            <a:ext cx="9144000" cy="400110"/>
-          </a:xfrm>
-          <a:prstGeom prst="rect">
-            <a:avLst/>
-          </a:prstGeom>
-          <a:noFill/>
-        </p:spPr>
-        <p:txBody>
-          <a:bodyPr wrap="square" rtlCol="0">
-            <a:spAutoFit/>
-          </a:bodyPr>
-          <a:lstStyle/>
-          <a:p>
-            <a:pPr algn="ctr"/>
-            <a:r>
-              <a:rPr lang="fr-FR" sz="2000" b="1" dirty="0" smtClean="0"/>
-              <a:t>Rappels</a:t>
-            </a:r>
-            <a:endParaRPr lang="fr-FR" sz="2000" b="1" dirty="0"/>
-          </a:p>
-        </p:txBody>
-      </p:sp>
-      <p:sp>
-        <p:nvSpPr>
-          <p:cNvPr id="3" name="ZoneTexte 2"/>
-          <p:cNvSpPr txBox="1"/>
-          <p:nvPr/>
-        </p:nvSpPr>
-        <p:spPr>
-          <a:xfrm>
-            <a:off x="491319" y="1173707"/>
-            <a:ext cx="8120418" cy="5355312"/>
-          </a:xfrm>
-          <a:prstGeom prst="rect">
-            <a:avLst/>
-          </a:prstGeom>
-          <a:noFill/>
-        </p:spPr>
-        <p:txBody>
-          <a:bodyPr wrap="square" rtlCol="0">
-            <a:spAutoFit/>
-          </a:bodyPr>
-          <a:lstStyle/>
-          <a:p>
-            <a:pPr marL="285750" indent="-285750">
-              <a:buFontTx/>
-              <a:buChar char="-"/>
-            </a:pPr>
-            <a:r>
-              <a:rPr lang="fr-FR" dirty="0" smtClean="0"/>
-              <a:t>Cet outil a pour but de lister des relevés </a:t>
-            </a:r>
-            <a:r>
-              <a:rPr lang="fr-FR" dirty="0" err="1" smtClean="0"/>
-              <a:t>gonio</a:t>
-            </a:r>
-            <a:r>
-              <a:rPr lang="fr-FR" dirty="0" smtClean="0"/>
-              <a:t> pour créer un fichier KML importable sur </a:t>
-            </a:r>
-            <a:r>
-              <a:rPr lang="fr-FR" dirty="0" err="1" smtClean="0"/>
-              <a:t>GlobalMapper</a:t>
-            </a:r>
-            <a:r>
-              <a:rPr lang="fr-FR" dirty="0" smtClean="0"/>
-              <a:t>, et ainsi avoir un visuel des relevés effectués sur telle fréquence, tel indicatif</a:t>
-            </a:r>
-          </a:p>
-          <a:p>
-            <a:pPr marL="285750" indent="-285750">
-              <a:buFontTx/>
-              <a:buChar char="-"/>
-            </a:pPr>
-            <a:endParaRPr lang="fr-FR" dirty="0" smtClean="0"/>
-          </a:p>
-          <a:p>
-            <a:pPr marL="285750" indent="-285750">
-              <a:buFontTx/>
-              <a:buChar char="-"/>
-            </a:pPr>
-            <a:r>
-              <a:rPr lang="fr-FR" dirty="0" smtClean="0"/>
-              <a:t>Pour être valide, un tir a besoin AU MINIMUM de la position Y et X (latitude et longitude) du capteur et d’un azimut</a:t>
-            </a:r>
-          </a:p>
-          <a:p>
-            <a:pPr marL="285750" indent="-285750">
-              <a:buFontTx/>
-              <a:buChar char="-"/>
-            </a:pPr>
-            <a:endParaRPr lang="fr-FR" dirty="0"/>
-          </a:p>
-          <a:p>
-            <a:pPr marL="285750" indent="-285750">
-              <a:buFontTx/>
-              <a:buChar char="-"/>
-            </a:pPr>
-            <a:r>
-              <a:rPr lang="fr-FR" dirty="0" smtClean="0"/>
-              <a:t>Les coordonnées peuvent être indiquées en degré/minutes/secondes ou en décimales, pourvu que le format ne soit pas trop exotique</a:t>
-            </a:r>
-          </a:p>
-          <a:p>
-            <a:pPr marL="285750" indent="-285750">
-              <a:buFontTx/>
-              <a:buChar char="-"/>
-            </a:pPr>
-            <a:endParaRPr lang="fr-FR" dirty="0"/>
-          </a:p>
-          <a:p>
-            <a:pPr marL="285750" indent="-285750">
-              <a:buFontTx/>
-              <a:buChar char="-"/>
-            </a:pPr>
-            <a:r>
-              <a:rPr lang="fr-FR" dirty="0" smtClean="0"/>
-              <a:t>Un convertisseur DMS &lt;-&gt; décimales est inclus dans l’outil si besoin</a:t>
-            </a:r>
-          </a:p>
-          <a:p>
-            <a:pPr marL="285750" indent="-285750">
-              <a:buFontTx/>
-              <a:buChar char="-"/>
-            </a:pPr>
-            <a:endParaRPr lang="fr-FR" dirty="0"/>
-          </a:p>
-          <a:p>
-            <a:pPr marL="285750" indent="-285750">
-              <a:buFontTx/>
-              <a:buChar char="-"/>
-            </a:pPr>
-            <a:r>
-              <a:rPr lang="fr-FR" dirty="0" smtClean="0"/>
-              <a:t>Les tirs sont nommés automatiquement de la façon suivante : « GDH / FRQ / API »</a:t>
-            </a:r>
-          </a:p>
-          <a:p>
-            <a:pPr marL="285750" indent="-285750">
-              <a:buFontTx/>
-              <a:buChar char="-"/>
-            </a:pPr>
-            <a:endParaRPr lang="fr-FR" dirty="0"/>
-          </a:p>
-          <a:p>
-            <a:pPr marL="285750" indent="-285750">
-              <a:buFontTx/>
-              <a:buChar char="-"/>
-            </a:pPr>
-            <a:r>
-              <a:rPr lang="fr-FR" dirty="0" smtClean="0"/>
-              <a:t>Les tirs peuvent avoir les couleurs suivantes </a:t>
-            </a:r>
-            <a:r>
-              <a:rPr lang="fr-FR" dirty="0"/>
-              <a:t>: bleu, rouge, jaune, vert, violet, orange, rose, gris, noir et </a:t>
-            </a:r>
-            <a:r>
-              <a:rPr lang="fr-FR" dirty="0" smtClean="0"/>
-              <a:t>blanc.</a:t>
-            </a:r>
-          </a:p>
-          <a:p>
-            <a:pPr marL="285750" indent="-285750">
-              <a:buFontTx/>
-              <a:buChar char="-"/>
-            </a:pPr>
-            <a:endParaRPr lang="fr-FR" dirty="0"/>
-          </a:p>
-          <a:p>
-            <a:pPr marL="285750" indent="-285750">
-              <a:buFontTx/>
-              <a:buChar char="-"/>
-            </a:pPr>
-            <a:r>
-              <a:rPr lang="fr-FR" dirty="0" smtClean="0"/>
-              <a:t>Il suffit de faire glisser le fichier KML dans </a:t>
-            </a:r>
-            <a:r>
-              <a:rPr lang="fr-FR" dirty="0" err="1" smtClean="0"/>
-              <a:t>GlobalMapper</a:t>
-            </a:r>
-            <a:r>
-              <a:rPr lang="fr-FR" dirty="0" smtClean="0"/>
-              <a:t> pour l’importer</a:t>
-            </a:r>
-          </a:p>
-          <a:p>
-            <a:pPr marL="285750" indent="-285750">
-              <a:buFontTx/>
-              <a:buChar char="-"/>
-            </a:pPr>
-            <a:endParaRPr lang="fr-FR" dirty="0"/>
-          </a:p>
-        </p:txBody>
-      </p:sp>
-    </p:spTree>
-    <p:extLst>
-      <p:ext uri="{BB962C8B-B14F-4D97-AF65-F5344CB8AC3E}">
-        <p14:creationId xmlns:p14="http://schemas.microsoft.com/office/powerpoint/2010/main" val="2842698796"/>
-      </p:ext>
-    </p:extLst>
-  </p:cSld>
-  <p:clrMapOvr>
-    <a:masterClrMapping/>
-  </p:clrMapOvr>
-</p:sld>
-</file>
-
-<file path=ppt/slides/slide7.xml><?xml version="1.0" encoding="utf-8"?>
-<p:sld xmlns:a="http://schemas.openxmlformats.org/drawingml/2006/main" xmlns:r="http://schemas.openxmlformats.org/officeDocument/2006/relationships" xmlns:p="http://schemas.openxmlformats.org/presentationml/2006/main">
-  <p:cSld>
-    <p:spTree>
-      <p:nvGrpSpPr>
-        <p:cNvPr id="1" name=""/>
-        <p:cNvGrpSpPr/>
-        <p:nvPr/>
-      </p:nvGrpSpPr>
-      <p:grpSpPr>
-        <a:xfrm>
-          <a:off x="0" y="0"/>
-          <a:ext cx="0" cy="0"/>
-          <a:chOff x="0" y="0"/>
-          <a:chExt cx="0" cy="0"/>
-        </a:xfrm>
-      </p:grpSpPr>
-      <p:sp>
-        <p:nvSpPr>
-          <p:cNvPr id="2" name="ZoneTexte 1"/>
-          <p:cNvSpPr txBox="1"/>
-          <p:nvPr/>
-        </p:nvSpPr>
-        <p:spPr>
-          <a:xfrm>
-            <a:off x="0" y="188640"/>
-            <a:ext cx="9144000" cy="400110"/>
-          </a:xfrm>
-          <a:prstGeom prst="rect">
-            <a:avLst/>
-          </a:prstGeom>
-          <a:noFill/>
-        </p:spPr>
-        <p:txBody>
-          <a:bodyPr wrap="square" rtlCol="0">
-            <a:spAutoFit/>
-          </a:bodyPr>
-          <a:lstStyle/>
-          <a:p>
-            <a:pPr algn="ctr"/>
-            <a:r>
-              <a:rPr lang="fr-FR" sz="2000" b="1" dirty="0" smtClean="0"/>
-              <a:t>Rappels</a:t>
-            </a:r>
-            <a:endParaRPr lang="fr-FR" sz="2000" b="1" dirty="0"/>
-          </a:p>
-        </p:txBody>
-      </p:sp>
-      <p:sp>
-        <p:nvSpPr>
-          <p:cNvPr id="3" name="ZoneTexte 2"/>
-          <p:cNvSpPr txBox="1"/>
-          <p:nvPr/>
-        </p:nvSpPr>
-        <p:spPr>
-          <a:xfrm>
-            <a:off x="491319" y="1173707"/>
-            <a:ext cx="8120418" cy="2585323"/>
-          </a:xfrm>
-          <a:prstGeom prst="rect">
-            <a:avLst/>
-          </a:prstGeom>
-          <a:noFill/>
-        </p:spPr>
-        <p:txBody>
-          <a:bodyPr wrap="square" rtlCol="0">
-            <a:spAutoFit/>
-          </a:bodyPr>
-          <a:lstStyle/>
-          <a:p>
-            <a:pPr marL="285750" indent="-285750">
-              <a:buFontTx/>
-              <a:buChar char="-"/>
-            </a:pPr>
-            <a:r>
-              <a:rPr lang="fr-FR" dirty="0" smtClean="0"/>
-              <a:t>Les tirs sont nommés automatiquement de la façon suivante : « GDH / FRQ / API »</a:t>
-            </a:r>
-          </a:p>
-          <a:p>
-            <a:pPr marL="285750" indent="-285750">
-              <a:buFontTx/>
-              <a:buChar char="-"/>
-            </a:pPr>
-            <a:endParaRPr lang="fr-FR" dirty="0"/>
-          </a:p>
-          <a:p>
-            <a:pPr marL="285750" indent="-285750">
-              <a:buFontTx/>
-              <a:buChar char="-"/>
-            </a:pPr>
-            <a:r>
-              <a:rPr lang="fr-FR" dirty="0" smtClean="0"/>
-              <a:t>Il suffit de faire glisser le fichier KML dans </a:t>
-            </a:r>
-            <a:r>
-              <a:rPr lang="fr-FR" dirty="0" err="1" smtClean="0"/>
-              <a:t>GlobalMapper</a:t>
-            </a:r>
-            <a:r>
-              <a:rPr lang="fr-FR" dirty="0" smtClean="0"/>
-              <a:t> pour l’importer</a:t>
-            </a:r>
-          </a:p>
-          <a:p>
-            <a:pPr marL="285750" indent="-285750">
-              <a:buFontTx/>
-              <a:buChar char="-"/>
-            </a:pPr>
-            <a:endParaRPr lang="fr-FR" dirty="0" smtClean="0"/>
-          </a:p>
-          <a:p>
-            <a:pPr marL="285750" indent="-285750">
-              <a:buFontTx/>
-              <a:buChar char="-"/>
-            </a:pPr>
-            <a:r>
-              <a:rPr lang="fr-FR" dirty="0" smtClean="0"/>
-              <a:t>Les relevés et les points positions capteur ont pour attributs (métadonnées vecteur) toutes les données indiquées dans le tableau</a:t>
-            </a:r>
-          </a:p>
-          <a:p>
-            <a:pPr marL="285750" indent="-285750">
-              <a:buFontTx/>
-              <a:buChar char="-"/>
-            </a:pPr>
-            <a:endParaRPr lang="fr-FR" dirty="0"/>
-          </a:p>
-          <a:p>
-            <a:pPr marL="285750" indent="-285750">
-              <a:buFontTx/>
-              <a:buChar char="-"/>
-            </a:pPr>
-            <a:r>
-              <a:rPr lang="fr-FR" dirty="0" smtClean="0"/>
-              <a:t>La colonne groupe est un champ libre pour éventuellement exploitation sous </a:t>
-            </a:r>
-            <a:r>
-              <a:rPr lang="fr-FR" dirty="0" err="1" smtClean="0"/>
-              <a:t>GlobalMapper</a:t>
-            </a:r>
-            <a:endParaRPr lang="fr-FR" dirty="0"/>
-          </a:p>
-        </p:txBody>
-      </p:sp>
-    </p:spTree>
-    <p:extLst>
-      <p:ext uri="{BB962C8B-B14F-4D97-AF65-F5344CB8AC3E}">
-        <p14:creationId xmlns:p14="http://schemas.microsoft.com/office/powerpoint/2010/main" val="2421691216"/>
-      </p:ext>
-    </p:extLst>
-  </p:cSld>
-  <p:clrMapOvr>
-    <a:masterClrMapping/>
-  </p:clrMapOvr>
-</p:sld>
-</file>
-
-<file path=ppt/slides/slide8.xml><?xml version="1.0" encoding="utf-8"?>
-<p:sld xmlns:a="http://schemas.openxmlformats.org/drawingml/2006/main" xmlns:r="http://schemas.openxmlformats.org/officeDocument/2006/relationships" xmlns:p="http://schemas.openxmlformats.org/presentationml/2006/main">
-  <p:cSld>
-    <p:spTree>
-      <p:nvGrpSpPr>
-        <p:cNvPr id="1" name=""/>
-        <p:cNvGrpSpPr/>
-        <p:nvPr/>
-      </p:nvGrpSpPr>
-      <p:grpSpPr>
-        <a:xfrm>
-          <a:off x="0" y="0"/>
-          <a:ext cx="0" cy="0"/>
-          <a:chOff x="0" y="0"/>
-          <a:chExt cx="0" cy="0"/>
-        </a:xfrm>
-      </p:grpSpPr>
-      <p:sp>
-        <p:nvSpPr>
-          <p:cNvPr id="4" name="ZoneTexte 3"/>
-          <p:cNvSpPr txBox="1"/>
-          <p:nvPr/>
-        </p:nvSpPr>
-        <p:spPr>
-          <a:xfrm>
-            <a:off x="-20960" y="548680"/>
-            <a:ext cx="9144000" cy="584775"/>
-          </a:xfrm>
-          <a:prstGeom prst="rect">
-            <a:avLst/>
-          </a:prstGeom>
-          <a:noFill/>
-        </p:spPr>
-        <p:txBody>
-          <a:bodyPr wrap="square" rtlCol="0">
-            <a:spAutoFit/>
-          </a:bodyPr>
-          <a:lstStyle/>
-          <a:p>
-            <a:pPr algn="ctr"/>
-            <a:r>
-              <a:rPr lang="fr-FR" sz="3200" b="1" dirty="0" smtClean="0"/>
-              <a:t>Utilisation avancée</a:t>
-            </a:r>
-            <a:endParaRPr lang="fr-FR" sz="1600" b="1" dirty="0" smtClean="0"/>
-          </a:p>
-        </p:txBody>
-      </p:sp>
-      <p:sp>
-        <p:nvSpPr>
-          <p:cNvPr id="5" name="ZoneTexte 4"/>
-          <p:cNvSpPr txBox="1"/>
-          <p:nvPr/>
-        </p:nvSpPr>
-        <p:spPr>
-          <a:xfrm>
-            <a:off x="152400" y="1556792"/>
-            <a:ext cx="8839200" cy="4708981"/>
-          </a:xfrm>
-          <a:prstGeom prst="rect">
-            <a:avLst/>
-          </a:prstGeom>
-          <a:noFill/>
-        </p:spPr>
-        <p:txBody>
-          <a:bodyPr wrap="square" rtlCol="0">
-            <a:spAutoFit/>
-          </a:bodyPr>
-          <a:lstStyle/>
-          <a:p>
-            <a:r>
-              <a:rPr lang="fr-FR" sz="2000" dirty="0" smtClean="0"/>
-              <a:t>Les paramètres suivants sont accessibles dans l’onglet caché « data »</a:t>
-            </a:r>
-          </a:p>
-          <a:p>
-            <a:pPr marL="342900" indent="-342900">
-              <a:buFontTx/>
-              <a:buChar char="-"/>
-            </a:pPr>
-            <a:endParaRPr lang="fr-FR" sz="2000" dirty="0" smtClean="0"/>
-          </a:p>
-          <a:p>
-            <a:pPr marL="342900" indent="-342900">
-              <a:buFontTx/>
-              <a:buChar char="-"/>
-            </a:pPr>
-            <a:r>
-              <a:rPr lang="fr-FR" sz="2000" dirty="0" smtClean="0"/>
-              <a:t>Liste des couleurs et leur valeur en hexadécimal</a:t>
-            </a:r>
-          </a:p>
-          <a:p>
-            <a:pPr marL="342900" indent="-342900">
-              <a:buFontTx/>
-              <a:buChar char="-"/>
-            </a:pPr>
-            <a:endParaRPr lang="fr-FR" sz="2000" dirty="0" smtClean="0"/>
-          </a:p>
-          <a:p>
-            <a:pPr marL="342900" indent="-342900">
-              <a:buFontTx/>
-              <a:buChar char="-"/>
-            </a:pPr>
-            <a:r>
-              <a:rPr lang="fr-FR" sz="2000" dirty="0" smtClean="0"/>
-              <a:t>Epaisseur du trait affiché sur </a:t>
-            </a:r>
-            <a:r>
-              <a:rPr lang="fr-FR" sz="2000" dirty="0" err="1" smtClean="0"/>
-              <a:t>GlobalMapper</a:t>
-            </a:r>
-            <a:endParaRPr lang="fr-FR" sz="2000" dirty="0" smtClean="0"/>
-          </a:p>
-          <a:p>
-            <a:pPr marL="342900" indent="-342900">
-              <a:buFontTx/>
-              <a:buChar char="-"/>
-            </a:pPr>
-            <a:endParaRPr lang="fr-FR" sz="2000" dirty="0" smtClean="0"/>
-          </a:p>
-          <a:p>
-            <a:pPr marL="342900" indent="-342900">
-              <a:buFontTx/>
-              <a:buChar char="-"/>
-            </a:pPr>
-            <a:r>
-              <a:rPr lang="fr-FR" sz="2000" dirty="0" smtClean="0"/>
-              <a:t>Point capteur : si « oui », crée des entités de points pour marquer la position du capteur</a:t>
-            </a:r>
-          </a:p>
-          <a:p>
-            <a:pPr marL="342900" indent="-342900">
-              <a:buFontTx/>
-              <a:buChar char="-"/>
-            </a:pPr>
-            <a:endParaRPr lang="fr-FR" sz="2000" dirty="0" smtClean="0"/>
-          </a:p>
-          <a:p>
-            <a:pPr marL="342900" indent="-342900">
-              <a:buFontTx/>
-              <a:buChar char="-"/>
-            </a:pPr>
-            <a:r>
-              <a:rPr lang="fr-FR" sz="2000" dirty="0" smtClean="0"/>
-              <a:t>Style </a:t>
-            </a:r>
-            <a:r>
-              <a:rPr lang="fr-FR" sz="2000" dirty="0"/>
-              <a:t>point </a:t>
-            </a:r>
-            <a:r>
-              <a:rPr lang="fr-FR" sz="2000" dirty="0" smtClean="0"/>
-              <a:t>capteur : Nom du style de point, propre à </a:t>
-            </a:r>
-            <a:r>
-              <a:rPr lang="fr-FR" sz="2000" dirty="0" err="1" smtClean="0"/>
-              <a:t>GlobalMapper</a:t>
-            </a:r>
-            <a:r>
-              <a:rPr lang="fr-FR" sz="2000" dirty="0" smtClean="0"/>
-              <a:t>, utilisé pour symboliser la position capteur</a:t>
-            </a:r>
-          </a:p>
-          <a:p>
-            <a:pPr marL="342900" indent="-342900">
-              <a:buFontTx/>
-              <a:buChar char="-"/>
-            </a:pPr>
-            <a:endParaRPr lang="fr-FR" sz="2000" dirty="0" smtClean="0"/>
-          </a:p>
-          <a:p>
-            <a:pPr marL="342900" indent="-342900">
-              <a:buFontTx/>
-              <a:buChar char="-"/>
-            </a:pPr>
-            <a:r>
-              <a:rPr lang="fr-FR" sz="2000" dirty="0" smtClean="0"/>
-              <a:t>Masque nom du tir : Le nom de n’importe quelle colonne peut y être indiqué entre accolades (ex : {AZM}) </a:t>
-            </a:r>
-          </a:p>
-          <a:p>
-            <a:pPr marL="342900" indent="-342900">
-              <a:buFontTx/>
-              <a:buChar char="-"/>
-            </a:pPr>
-            <a:endParaRPr lang="fr-FR" sz="2000" dirty="0"/>
-          </a:p>
-        </p:txBody>
-      </p:sp>
-    </p:spTree>
-    <p:extLst>
-      <p:ext uri="{BB962C8B-B14F-4D97-AF65-F5344CB8AC3E}">
-        <p14:creationId xmlns:p14="http://schemas.microsoft.com/office/powerpoint/2010/main" val="3605238459"/>
-      </p:ext>
-    </p:extLst>
-  </p:cSld>
-  <p:clrMapOvr>
-    <a:masterClrMapping/>
-  </p:clrMapOvr>
-  <p:timing>
-    <p:tnLst>
-      <p:par>
-        <p:cTn id="1" dur="indefinite" restart="never" nodeType="tmRoot"/>
-      </p:par>
-    </p:tnLst>
-  </p:timing>
 </p:sld>
 </file>
 
